--- a/TestingT-SQLMadeEasy.pptx
+++ b/TestingT-SQLMadeEasy.pptx
@@ -5,16 +5,24 @@
     <p:sldMasterId id="2147483648" r:id="rId1"/>
   </p:sldMasterIdLst>
   <p:notesMasterIdLst>
-    <p:notesMasterId r:id="rId9"/>
+    <p:notesMasterId r:id="rId17"/>
   </p:notesMasterIdLst>
   <p:sldIdLst>
     <p:sldId id="256" r:id="rId2"/>
     <p:sldId id="259" r:id="rId3"/>
     <p:sldId id="260" r:id="rId4"/>
     <p:sldId id="261" r:id="rId5"/>
-    <p:sldId id="262" r:id="rId6"/>
-    <p:sldId id="263" r:id="rId7"/>
-    <p:sldId id="257" r:id="rId8"/>
+    <p:sldId id="265" r:id="rId6"/>
+    <p:sldId id="264" r:id="rId7"/>
+    <p:sldId id="266" r:id="rId8"/>
+    <p:sldId id="267" r:id="rId9"/>
+    <p:sldId id="268" r:id="rId10"/>
+    <p:sldId id="269" r:id="rId11"/>
+    <p:sldId id="271" r:id="rId12"/>
+    <p:sldId id="270" r:id="rId13"/>
+    <p:sldId id="262" r:id="rId14"/>
+    <p:sldId id="263" r:id="rId15"/>
+    <p:sldId id="257" r:id="rId16"/>
   </p:sldIdLst>
   <p:sldSz cx="9144000" cy="6858000" type="screen4x3"/>
   <p:notesSz cx="6858000" cy="9144000"/>
@@ -214,7 +222,7 @@
           <a:p>
             <a:fld id="{45C7EBF0-803C-4B76-9D07-56FBE9171A73}" type="datetimeFigureOut">
               <a:rPr lang="en-US" smtClean="0"/>
-              <a:t>4/18/2016</a:t>
+              <a:t>4/24/2016</a:t>
             </a:fld>
             <a:endParaRPr lang="en-US"/>
           </a:p>
@@ -309,7 +317,6 @@
               <a:rPr lang="en-US"/>
               <a:t>Fifth level</a:t>
             </a:r>
-            <a:endParaRPr lang="en-US"/>
           </a:p>
         </p:txBody>
       </p:sp>
@@ -931,7 +938,7 @@
             <a:fld id="{1D8BD707-D9CF-40AE-B4C6-C98DA3205C09}" type="datetimeFigureOut">
               <a:rPr lang="en-US" smtClean="0"/>
               <a:pPr/>
-              <a:t>4/18/2016</a:t>
+              <a:t>4/24/2016</a:t>
             </a:fld>
             <a:endParaRPr lang="en-US"/>
           </a:p>
@@ -1096,7 +1103,7 @@
             <a:fld id="{1D8BD707-D9CF-40AE-B4C6-C98DA3205C09}" type="datetimeFigureOut">
               <a:rPr lang="en-US" smtClean="0"/>
               <a:pPr/>
-              <a:t>4/18/2016</a:t>
+              <a:t>4/24/2016</a:t>
             </a:fld>
             <a:endParaRPr lang="en-US"/>
           </a:p>
@@ -1271,7 +1278,7 @@
             <a:fld id="{1D8BD707-D9CF-40AE-B4C6-C98DA3205C09}" type="datetimeFigureOut">
               <a:rPr lang="en-US" smtClean="0"/>
               <a:pPr/>
-              <a:t>4/18/2016</a:t>
+              <a:t>4/24/2016</a:t>
             </a:fld>
             <a:endParaRPr lang="en-US"/>
           </a:p>
@@ -1436,7 +1443,7 @@
             <a:fld id="{1D8BD707-D9CF-40AE-B4C6-C98DA3205C09}" type="datetimeFigureOut">
               <a:rPr lang="en-US" smtClean="0"/>
               <a:pPr/>
-              <a:t>4/18/2016</a:t>
+              <a:t>4/24/2016</a:t>
             </a:fld>
             <a:endParaRPr lang="en-US"/>
           </a:p>
@@ -1678,7 +1685,7 @@
             <a:fld id="{1D8BD707-D9CF-40AE-B4C6-C98DA3205C09}" type="datetimeFigureOut">
               <a:rPr lang="en-US" smtClean="0"/>
               <a:pPr/>
-              <a:t>4/18/2016</a:t>
+              <a:t>4/24/2016</a:t>
             </a:fld>
             <a:endParaRPr lang="en-US"/>
           </a:p>
@@ -1960,7 +1967,7 @@
             <a:fld id="{1D8BD707-D9CF-40AE-B4C6-C98DA3205C09}" type="datetimeFigureOut">
               <a:rPr lang="en-US" smtClean="0"/>
               <a:pPr/>
-              <a:t>4/18/2016</a:t>
+              <a:t>4/24/2016</a:t>
             </a:fld>
             <a:endParaRPr lang="en-US"/>
           </a:p>
@@ -2376,7 +2383,7 @@
             <a:fld id="{1D8BD707-D9CF-40AE-B4C6-C98DA3205C09}" type="datetimeFigureOut">
               <a:rPr lang="en-US" smtClean="0"/>
               <a:pPr/>
-              <a:t>4/18/2016</a:t>
+              <a:t>4/24/2016</a:t>
             </a:fld>
             <a:endParaRPr lang="en-US"/>
           </a:p>
@@ -2490,7 +2497,7 @@
             <a:fld id="{1D8BD707-D9CF-40AE-B4C6-C98DA3205C09}" type="datetimeFigureOut">
               <a:rPr lang="en-US" smtClean="0"/>
               <a:pPr/>
-              <a:t>4/18/2016</a:t>
+              <a:t>4/24/2016</a:t>
             </a:fld>
             <a:endParaRPr lang="en-US"/>
           </a:p>
@@ -2582,7 +2589,7 @@
             <a:fld id="{1D8BD707-D9CF-40AE-B4C6-C98DA3205C09}" type="datetimeFigureOut">
               <a:rPr lang="en-US" smtClean="0"/>
               <a:pPr/>
-              <a:t>4/18/2016</a:t>
+              <a:t>4/24/2016</a:t>
             </a:fld>
             <a:endParaRPr lang="en-US"/>
           </a:p>
@@ -2854,7 +2861,7 @@
             <a:fld id="{1D8BD707-D9CF-40AE-B4C6-C98DA3205C09}" type="datetimeFigureOut">
               <a:rPr lang="en-US" smtClean="0"/>
               <a:pPr/>
-              <a:t>4/18/2016</a:t>
+              <a:t>4/24/2016</a:t>
             </a:fld>
             <a:endParaRPr lang="en-US"/>
           </a:p>
@@ -3103,7 +3110,7 @@
             <a:fld id="{1D8BD707-D9CF-40AE-B4C6-C98DA3205C09}" type="datetimeFigureOut">
               <a:rPr lang="en-US" smtClean="0"/>
               <a:pPr/>
-              <a:t>4/18/2016</a:t>
+              <a:t>4/24/2016</a:t>
             </a:fld>
             <a:endParaRPr lang="en-US"/>
           </a:p>
@@ -3311,7 +3318,7 @@
             <a:fld id="{1D8BD707-D9CF-40AE-B4C6-C98DA3205C09}" type="datetimeFigureOut">
               <a:rPr lang="en-US" smtClean="0"/>
               <a:pPr/>
-              <a:t>4/18/2016</a:t>
+              <a:t>4/24/2016</a:t>
             </a:fld>
             <a:endParaRPr lang="en-US"/>
           </a:p>
@@ -3811,7 +3818,7 @@
 </p:sld>
 </file>
 
-<file path=ppt/slides/slide2.xml><?xml version="1.0" encoding="utf-8"?>
+<file path=ppt/slides/slide10.xml><?xml version="1.0" encoding="utf-8"?>
 <p:sld xmlns:a="http://schemas.openxmlformats.org/drawingml/2006/main" xmlns:r="http://schemas.openxmlformats.org/officeDocument/2006/relationships" xmlns:p="http://schemas.openxmlformats.org/presentationml/2006/main">
   <p:cSld>
     <p:spTree>
@@ -3830,7 +3837,7 @@
       </p:grpSpPr>
       <p:sp>
         <p:nvSpPr>
-          <p:cNvPr id="2" name="Title 1"/>
+          <p:cNvPr id="4" name="Title 3"/>
           <p:cNvSpPr>
             <a:spLocks noGrp="1"/>
           </p:cNvSpPr>
@@ -3845,84 +3852,37 @@
           <a:p>
             <a:r>
               <a:rPr lang="en-US" dirty="0"/>
-              <a:t>Agenda</a:t>
-            </a:r>
-          </a:p>
-        </p:txBody>
-      </p:sp>
-      <p:sp>
-        <p:nvSpPr>
-          <p:cNvPr id="3" name="Content Placeholder 2"/>
-          <p:cNvSpPr>
-            <a:spLocks noGrp="1"/>
-          </p:cNvSpPr>
-          <p:nvPr>
-            <p:ph idx="1"/>
+              <a:t>Demo</a:t>
+            </a:r>
+          </a:p>
+        </p:txBody>
+      </p:sp>
+      <p:sp>
+        <p:nvSpPr>
+          <p:cNvPr id="5" name="Text Placeholder 4"/>
+          <p:cNvSpPr>
+            <a:spLocks noGrp="1"/>
+          </p:cNvSpPr>
+          <p:nvPr>
+            <p:ph type="body" idx="1"/>
           </p:nvPr>
         </p:nvSpPr>
         <p:spPr/>
         <p:txBody>
-          <a:bodyPr>
-            <a:normAutofit lnSpcReduction="10000"/>
-          </a:bodyPr>
+          <a:bodyPr/>
           <a:lstStyle/>
           <a:p>
             <a:r>
               <a:rPr lang="en-US" dirty="0"/>
-              <a:t>Who am I?</a:t>
-            </a:r>
-          </a:p>
-          <a:p>
-            <a:r>
-              <a:rPr lang="en-US" dirty="0"/>
-              <a:t>Testing Standards with Exceptions</a:t>
-            </a:r>
-          </a:p>
-          <a:p>
-            <a:r>
-              <a:rPr lang="en-US" dirty="0"/>
-              <a:t>Preventing ALTER TABLE for 1billion rows</a:t>
-            </a:r>
-          </a:p>
-          <a:p>
-            <a:r>
-              <a:rPr lang="en-US" dirty="0"/>
-              <a:t>Does the join work?</a:t>
-            </a:r>
-          </a:p>
-          <a:p>
-            <a:r>
-              <a:rPr lang="en-US" dirty="0"/>
-              <a:t>Handling GETDATE()</a:t>
-            </a:r>
-          </a:p>
-          <a:p>
-            <a:r>
-              <a:rPr lang="en-US" dirty="0"/>
-              <a:t>Heuristics</a:t>
-            </a:r>
-          </a:p>
-          <a:p>
-            <a:r>
-              <a:rPr lang="en-US" dirty="0"/>
-              <a:t>Isolating Functions and Procedures</a:t>
-            </a:r>
-          </a:p>
-          <a:p>
-            <a:r>
-              <a:rPr lang="en-US" dirty="0"/>
-              <a:t>Organizing Code</a:t>
-            </a:r>
-          </a:p>
-          <a:p>
-            <a:endParaRPr lang="en-US" dirty="0"/>
+              <a:t>GETDATE()</a:t>
+            </a:r>
           </a:p>
         </p:txBody>
       </p:sp>
     </p:spTree>
     <p:extLst>
       <p:ext uri="{BB962C8B-B14F-4D97-AF65-F5344CB8AC3E}">
-        <p14:creationId xmlns:p14="http://schemas.microsoft.com/office/powerpoint/2010/main" val="2639831237"/>
+        <p14:creationId xmlns:p14="http://schemas.microsoft.com/office/powerpoint/2010/main" val="1448552941"/>
       </p:ext>
     </p:extLst>
   </p:cSld>
@@ -3932,7 +3892,7 @@
 </p:sld>
 </file>
 
-<file path=ppt/slides/slide3.xml><?xml version="1.0" encoding="utf-8"?>
+<file path=ppt/slides/slide11.xml><?xml version="1.0" encoding="utf-8"?>
 <p:sld xmlns:a="http://schemas.openxmlformats.org/drawingml/2006/main" xmlns:r="http://schemas.openxmlformats.org/officeDocument/2006/relationships" xmlns:p="http://schemas.openxmlformats.org/presentationml/2006/main">
   <p:cSld>
     <p:spTree>
@@ -3951,7 +3911,7 @@
       </p:grpSpPr>
       <p:sp>
         <p:nvSpPr>
-          <p:cNvPr id="17410" name="Title 1"/>
+          <p:cNvPr id="4" name="Title 3"/>
           <p:cNvSpPr>
             <a:spLocks noGrp="1"/>
           </p:cNvSpPr>
@@ -3965,827 +3925,48 @@
           <a:lstStyle/>
           <a:p>
             <a:r>
-              <a:rPr lang="en-US" altLang="en-US" sz="2700"/>
-              <a:t>Who am I?</a:t>
-            </a:r>
-          </a:p>
-        </p:txBody>
-      </p:sp>
-      <p:pic>
-        <p:nvPicPr>
-          <p:cNvPr id="17411" name="Picture 2" descr="Steve Jones"/>
-          <p:cNvPicPr>
-            <a:picLocks noChangeAspect="1" noChangeArrowheads="1"/>
-          </p:cNvPicPr>
-          <p:nvPr/>
-        </p:nvPicPr>
-        <p:blipFill>
-          <a:blip r:embed="rId3">
-            <a:extLst>
-              <a:ext uri="{28A0092B-C50C-407E-A947-70E740481C1C}">
-                <a14:useLocalDpi xmlns:a14="http://schemas.microsoft.com/office/drawing/2010/main" val="0"/>
-              </a:ext>
-            </a:extLst>
-          </a:blip>
-          <a:srcRect/>
-          <a:stretch>
-            <a:fillRect/>
-          </a:stretch>
-        </p:blipFill>
-        <p:spPr bwMode="auto">
-          <a:xfrm>
-            <a:off x="1620442" y="2478882"/>
-            <a:ext cx="1931194" cy="1674019"/>
-          </a:xfrm>
-          <a:prstGeom prst="rect">
-            <a:avLst/>
-          </a:prstGeom>
-          <a:noFill/>
-          <a:ln>
-            <a:noFill/>
-          </a:ln>
-          <a:extLst>
-            <a:ext uri="{909E8E84-426E-40DD-AFC4-6F175D3DCCD1}">
-              <a14:hiddenFill xmlns:a14="http://schemas.microsoft.com/office/drawing/2010/main">
-                <a:solidFill>
-                  <a:srgbClr val="FFFFFF"/>
-                </a:solidFill>
-              </a14:hiddenFill>
-            </a:ext>
-            <a:ext uri="{91240B29-F687-4F45-9708-019B960494DF}">
-              <a14:hiddenLine xmlns:a14="http://schemas.microsoft.com/office/drawing/2010/main" w="9525">
-                <a:solidFill>
-                  <a:srgbClr val="000000"/>
-                </a:solidFill>
-                <a:miter lim="800000"/>
-                <a:headEnd/>
-                <a:tailEnd/>
-              </a14:hiddenLine>
-            </a:ext>
-          </a:extLst>
-        </p:spPr>
-      </p:pic>
-      <p:sp>
-        <p:nvSpPr>
-          <p:cNvPr id="18" name="Rectangle 17"/>
-          <p:cNvSpPr/>
-          <p:nvPr/>
-        </p:nvSpPr>
-        <p:spPr>
-          <a:xfrm>
-            <a:off x="4312445" y="3044429"/>
-            <a:ext cx="2980135" cy="403957"/>
-          </a:xfrm>
-          <a:prstGeom prst="rect">
-            <a:avLst/>
-          </a:prstGeom>
-        </p:spPr>
-        <p:txBody>
-          <a:bodyPr>
-            <a:spAutoFit/>
-          </a:bodyPr>
-          <a:lstStyle/>
-          <a:p>
-            <a:pPr>
-              <a:spcAft>
-                <a:spcPts val="2025"/>
-              </a:spcAft>
-              <a:defRPr/>
-            </a:pPr>
-            <a:r>
-              <a:rPr lang="en-US" sz="2025" dirty="0">
-                <a:solidFill>
-                  <a:schemeClr val="tx1">
-                    <a:lumMod val="50000"/>
-                    <a:lumOff val="50000"/>
-                  </a:schemeClr>
-                </a:solidFill>
-                <a:latin typeface="Microsoft Sans Serif" panose="020B0604020202020204" pitchFamily="34" charset="0"/>
-                <a:ea typeface="ヒラギノ角ゴ ProN W3" charset="0"/>
-              </a:rPr>
-              <a:t>www.voiceofthedba.com</a:t>
-            </a:r>
-          </a:p>
-        </p:txBody>
-      </p:sp>
-      <p:sp>
-        <p:nvSpPr>
-          <p:cNvPr id="19" name="Rectangle 18"/>
-          <p:cNvSpPr/>
-          <p:nvPr/>
-        </p:nvSpPr>
-        <p:spPr>
-          <a:xfrm>
-            <a:off x="4312445" y="3569494"/>
-            <a:ext cx="4545806" cy="403957"/>
-          </a:xfrm>
-          <a:prstGeom prst="rect">
-            <a:avLst/>
-          </a:prstGeom>
-        </p:spPr>
-        <p:txBody>
-          <a:bodyPr>
-            <a:spAutoFit/>
-          </a:bodyPr>
-          <a:lstStyle/>
-          <a:p>
-            <a:pPr>
-              <a:spcAft>
-                <a:spcPts val="2025"/>
-              </a:spcAft>
-              <a:defRPr/>
-            </a:pPr>
-            <a:r>
-              <a:rPr lang="en-US" sz="2025" dirty="0" err="1">
-                <a:solidFill>
-                  <a:schemeClr val="tx1">
-                    <a:lumMod val="50000"/>
-                    <a:lumOff val="50000"/>
-                  </a:schemeClr>
-                </a:solidFill>
-                <a:latin typeface="Microsoft Sans Serif" panose="020B0604020202020204" pitchFamily="34" charset="0"/>
-                <a:ea typeface="ヒラギノ角ゴ ProN W3" charset="0"/>
-              </a:rPr>
-              <a:t>sjones@sqlservercentral.com</a:t>
-            </a:r>
-            <a:endParaRPr lang="en-US" sz="2025" dirty="0">
-              <a:solidFill>
-                <a:schemeClr val="tx1">
-                  <a:lumMod val="50000"/>
-                  <a:lumOff val="50000"/>
-                </a:schemeClr>
-              </a:solidFill>
-              <a:latin typeface="Microsoft Sans Serif" panose="020B0604020202020204" pitchFamily="34" charset="0"/>
-              <a:ea typeface="ヒラギノ角ゴ ProN W3" charset="0"/>
-            </a:endParaRPr>
-          </a:p>
-        </p:txBody>
-      </p:sp>
-      <p:sp>
-        <p:nvSpPr>
-          <p:cNvPr id="20" name="Rectangle 19"/>
-          <p:cNvSpPr/>
-          <p:nvPr/>
-        </p:nvSpPr>
-        <p:spPr>
-          <a:xfrm>
-            <a:off x="4312445" y="4082654"/>
-            <a:ext cx="2670572" cy="403957"/>
-          </a:xfrm>
-          <a:prstGeom prst="rect">
-            <a:avLst/>
-          </a:prstGeom>
-        </p:spPr>
-        <p:txBody>
-          <a:bodyPr>
-            <a:spAutoFit/>
-          </a:bodyPr>
-          <a:lstStyle/>
-          <a:p>
-            <a:pPr>
-              <a:spcAft>
-                <a:spcPts val="2025"/>
-              </a:spcAft>
-              <a:defRPr/>
-            </a:pPr>
-            <a:r>
-              <a:rPr lang="en-US" sz="2025" dirty="0">
-                <a:solidFill>
-                  <a:schemeClr val="tx1">
-                    <a:lumMod val="50000"/>
-                    <a:lumOff val="50000"/>
-                  </a:schemeClr>
-                </a:solidFill>
-                <a:latin typeface="Microsoft Sans Serif" panose="020B0604020202020204" pitchFamily="34" charset="0"/>
-                <a:ea typeface="ヒラギノ角ゴ ProN W3" charset="0"/>
-              </a:rPr>
-              <a:t>@way0utwest</a:t>
-            </a:r>
-          </a:p>
-        </p:txBody>
-      </p:sp>
-      <p:sp>
-        <p:nvSpPr>
-          <p:cNvPr id="17415" name="TextBox 20"/>
-          <p:cNvSpPr txBox="1">
-            <a:spLocks noChangeArrowheads="1"/>
-          </p:cNvSpPr>
-          <p:nvPr/>
-        </p:nvSpPr>
-        <p:spPr bwMode="auto">
-          <a:xfrm>
-            <a:off x="3804049" y="1891905"/>
-            <a:ext cx="3982640" cy="877163"/>
-          </a:xfrm>
-          <a:prstGeom prst="rect">
-            <a:avLst/>
-          </a:prstGeom>
-          <a:noFill/>
-          <a:ln>
-            <a:noFill/>
-          </a:ln>
-          <a:extLst>
-            <a:ext uri="{909E8E84-426E-40DD-AFC4-6F175D3DCCD1}">
-              <a14:hiddenFill xmlns:a14="http://schemas.microsoft.com/office/drawing/2010/main">
-                <a:solidFill>
-                  <a:srgbClr val="FFFFFF"/>
-                </a:solidFill>
-              </a14:hiddenFill>
-            </a:ext>
-            <a:ext uri="{91240B29-F687-4F45-9708-019B960494DF}">
-              <a14:hiddenLine xmlns:a14="http://schemas.microsoft.com/office/drawing/2010/main" w="9525">
-                <a:solidFill>
-                  <a:srgbClr val="000000"/>
-                </a:solidFill>
-                <a:miter lim="800000"/>
-                <a:headEnd/>
-                <a:tailEnd/>
-              </a14:hiddenLine>
-            </a:ext>
-          </a:extLst>
-        </p:spPr>
-        <p:txBody>
-          <a:bodyPr>
-            <a:spAutoFit/>
-          </a:bodyPr>
-          <a:lstStyle>
-            <a:lvl1pPr>
-              <a:spcBef>
-                <a:spcPct val="20000"/>
-              </a:spcBef>
-              <a:buFont typeface="Arial" panose="020B0604020202020204" pitchFamily="34" charset="0"/>
-              <a:buChar char="•"/>
-              <a:defRPr sz="3200">
-                <a:solidFill>
-                  <a:schemeClr val="tx1"/>
-                </a:solidFill>
-                <a:latin typeface="Calibri" panose="020F0502020204030204" pitchFamily="34" charset="0"/>
-              </a:defRPr>
-            </a:lvl1pPr>
-            <a:lvl2pPr marL="742950" indent="-285750">
-              <a:spcBef>
-                <a:spcPct val="20000"/>
-              </a:spcBef>
-              <a:buFont typeface="Arial" panose="020B0604020202020204" pitchFamily="34" charset="0"/>
-              <a:buChar char="–"/>
-              <a:defRPr sz="2800">
-                <a:solidFill>
-                  <a:schemeClr val="tx1"/>
-                </a:solidFill>
-                <a:latin typeface="Calibri" panose="020F0502020204030204" pitchFamily="34" charset="0"/>
-              </a:defRPr>
-            </a:lvl2pPr>
-            <a:lvl3pPr marL="1143000" indent="-228600">
-              <a:spcBef>
-                <a:spcPct val="20000"/>
-              </a:spcBef>
-              <a:buFont typeface="Arial" panose="020B0604020202020204" pitchFamily="34" charset="0"/>
-              <a:buChar char="•"/>
-              <a:defRPr sz="2400">
-                <a:solidFill>
-                  <a:schemeClr val="tx1"/>
-                </a:solidFill>
-                <a:latin typeface="Calibri" panose="020F0502020204030204" pitchFamily="34" charset="0"/>
-              </a:defRPr>
-            </a:lvl3pPr>
-            <a:lvl4pPr marL="1600200" indent="-228600">
-              <a:spcBef>
-                <a:spcPct val="20000"/>
-              </a:spcBef>
-              <a:buFont typeface="Arial" panose="020B0604020202020204" pitchFamily="34" charset="0"/>
-              <a:buChar char="–"/>
-              <a:defRPr sz="2000">
-                <a:solidFill>
-                  <a:schemeClr val="tx1"/>
-                </a:solidFill>
-                <a:latin typeface="Calibri" panose="020F0502020204030204" pitchFamily="34" charset="0"/>
-              </a:defRPr>
-            </a:lvl4pPr>
-            <a:lvl5pPr marL="2057400" indent="-228600">
-              <a:spcBef>
-                <a:spcPct val="20000"/>
-              </a:spcBef>
-              <a:buFont typeface="Arial" panose="020B0604020202020204" pitchFamily="34" charset="0"/>
-              <a:buChar char="»"/>
-              <a:defRPr sz="2000">
-                <a:solidFill>
-                  <a:schemeClr val="tx1"/>
-                </a:solidFill>
-                <a:latin typeface="Calibri" panose="020F0502020204030204" pitchFamily="34" charset="0"/>
-              </a:defRPr>
-            </a:lvl5pPr>
-            <a:lvl6pPr marL="2514600" indent="-228600" eaLnBrk="0" fontAlgn="base" hangingPunct="0">
-              <a:spcBef>
-                <a:spcPct val="20000"/>
-              </a:spcBef>
-              <a:spcAft>
-                <a:spcPct val="0"/>
-              </a:spcAft>
-              <a:buFont typeface="Arial" panose="020B0604020202020204" pitchFamily="34" charset="0"/>
-              <a:buChar char="»"/>
-              <a:defRPr sz="2000">
-                <a:solidFill>
-                  <a:schemeClr val="tx1"/>
-                </a:solidFill>
-                <a:latin typeface="Calibri" panose="020F0502020204030204" pitchFamily="34" charset="0"/>
-              </a:defRPr>
-            </a:lvl6pPr>
-            <a:lvl7pPr marL="2971800" indent="-228600" eaLnBrk="0" fontAlgn="base" hangingPunct="0">
-              <a:spcBef>
-                <a:spcPct val="20000"/>
-              </a:spcBef>
-              <a:spcAft>
-                <a:spcPct val="0"/>
-              </a:spcAft>
-              <a:buFont typeface="Arial" panose="020B0604020202020204" pitchFamily="34" charset="0"/>
-              <a:buChar char="»"/>
-              <a:defRPr sz="2000">
-                <a:solidFill>
-                  <a:schemeClr val="tx1"/>
-                </a:solidFill>
-                <a:latin typeface="Calibri" panose="020F0502020204030204" pitchFamily="34" charset="0"/>
-              </a:defRPr>
-            </a:lvl7pPr>
-            <a:lvl8pPr marL="3429000" indent="-228600" eaLnBrk="0" fontAlgn="base" hangingPunct="0">
-              <a:spcBef>
-                <a:spcPct val="20000"/>
-              </a:spcBef>
-              <a:spcAft>
-                <a:spcPct val="0"/>
-              </a:spcAft>
-              <a:buFont typeface="Arial" panose="020B0604020202020204" pitchFamily="34" charset="0"/>
-              <a:buChar char="»"/>
-              <a:defRPr sz="2000">
-                <a:solidFill>
-                  <a:schemeClr val="tx1"/>
-                </a:solidFill>
-                <a:latin typeface="Calibri" panose="020F0502020204030204" pitchFamily="34" charset="0"/>
-              </a:defRPr>
-            </a:lvl8pPr>
-            <a:lvl9pPr marL="3886200" indent="-228600" eaLnBrk="0" fontAlgn="base" hangingPunct="0">
-              <a:spcBef>
-                <a:spcPct val="20000"/>
-              </a:spcBef>
-              <a:spcAft>
-                <a:spcPct val="0"/>
-              </a:spcAft>
-              <a:buFont typeface="Arial" panose="020B0604020202020204" pitchFamily="34" charset="0"/>
-              <a:buChar char="»"/>
-              <a:defRPr sz="2000">
-                <a:solidFill>
-                  <a:schemeClr val="tx1"/>
-                </a:solidFill>
-                <a:latin typeface="Calibri" panose="020F0502020204030204" pitchFamily="34" charset="0"/>
-              </a:defRPr>
-            </a:lvl9pPr>
-          </a:lstStyle>
-          <a:p>
-            <a:pPr eaLnBrk="1" hangingPunct="1">
-              <a:spcBef>
-                <a:spcPct val="0"/>
-              </a:spcBef>
-              <a:buFontTx/>
-              <a:buNone/>
-            </a:pPr>
-            <a:r>
-              <a:rPr lang="en-US" altLang="en-US" sz="2100" b="1">
-                <a:solidFill>
-                  <a:srgbClr val="CC0000"/>
-                </a:solidFill>
-                <a:latin typeface="Arial" panose="020B0604020202020204" pitchFamily="34" charset="0"/>
-                <a:ea typeface="ヒラギノ角ゴ ProN W3" charset="0"/>
-                <a:cs typeface="Arial" panose="020B0604020202020204" pitchFamily="34" charset="0"/>
-              </a:rPr>
-              <a:t>Steve Jones</a:t>
-            </a:r>
-          </a:p>
-          <a:p>
-            <a:pPr eaLnBrk="1" hangingPunct="1">
-              <a:spcBef>
-                <a:spcPct val="0"/>
-              </a:spcBef>
-              <a:buFontTx/>
-              <a:buNone/>
-            </a:pPr>
-            <a:r>
-              <a:rPr lang="en-US" altLang="en-US" sz="1500" b="1">
-                <a:solidFill>
-                  <a:srgbClr val="CC0000"/>
-                </a:solidFill>
-                <a:latin typeface="Arial" panose="020B0604020202020204" pitchFamily="34" charset="0"/>
-                <a:ea typeface="ヒラギノ角ゴ ProN W3" charset="0"/>
-                <a:cs typeface="Arial" panose="020B0604020202020204" pitchFamily="34" charset="0"/>
-              </a:rPr>
-              <a:t>SQLServerCentral founder</a:t>
-            </a:r>
-          </a:p>
-          <a:p>
-            <a:pPr eaLnBrk="1" hangingPunct="1">
-              <a:spcBef>
-                <a:spcPct val="0"/>
-              </a:spcBef>
-              <a:buFontTx/>
-              <a:buNone/>
-            </a:pPr>
-            <a:r>
-              <a:rPr lang="en-US" altLang="en-US" sz="1500" b="1">
-                <a:solidFill>
-                  <a:srgbClr val="CC0000"/>
-                </a:solidFill>
-                <a:latin typeface="Arial" panose="020B0604020202020204" pitchFamily="34" charset="0"/>
-                <a:ea typeface="ヒラギノ角ゴ ProN W3" charset="0"/>
-                <a:cs typeface="Arial" panose="020B0604020202020204" pitchFamily="34" charset="0"/>
-              </a:rPr>
-              <a:t>Redgate Software Evangelist</a:t>
-            </a:r>
-          </a:p>
-        </p:txBody>
-      </p:sp>
-      <p:pic>
-        <p:nvPicPr>
-          <p:cNvPr id="17416" name="Picture 21"/>
-          <p:cNvPicPr>
-            <a:picLocks noChangeAspect="1"/>
-          </p:cNvPicPr>
-          <p:nvPr/>
-        </p:nvPicPr>
-        <p:blipFill>
-          <a:blip r:embed="rId4">
-            <a:extLst>
-              <a:ext uri="{28A0092B-C50C-407E-A947-70E740481C1C}">
-                <a14:useLocalDpi xmlns:a14="http://schemas.microsoft.com/office/drawing/2010/main" val="0"/>
-              </a:ext>
-            </a:extLst>
-          </a:blip>
-          <a:srcRect/>
-          <a:stretch>
-            <a:fillRect/>
-          </a:stretch>
-        </p:blipFill>
-        <p:spPr bwMode="auto">
-          <a:xfrm>
-            <a:off x="3883820" y="3067050"/>
-            <a:ext cx="326231" cy="358379"/>
-          </a:xfrm>
-          <a:prstGeom prst="rect">
-            <a:avLst/>
-          </a:prstGeom>
-          <a:noFill/>
-          <a:ln>
-            <a:noFill/>
-          </a:ln>
-          <a:extLst>
-            <a:ext uri="{909E8E84-426E-40DD-AFC4-6F175D3DCCD1}">
-              <a14:hiddenFill xmlns:a14="http://schemas.microsoft.com/office/drawing/2010/main">
-                <a:solidFill>
-                  <a:srgbClr val="FFFFFF"/>
-                </a:solidFill>
-              </a14:hiddenFill>
-            </a:ext>
-            <a:ext uri="{91240B29-F687-4F45-9708-019B960494DF}">
-              <a14:hiddenLine xmlns:a14="http://schemas.microsoft.com/office/drawing/2010/main" w="9525">
-                <a:solidFill>
-                  <a:srgbClr val="000000"/>
-                </a:solidFill>
-                <a:miter lim="800000"/>
-                <a:headEnd/>
-                <a:tailEnd/>
-              </a14:hiddenLine>
-            </a:ext>
-          </a:extLst>
-        </p:spPr>
-      </p:pic>
-      <p:pic>
-        <p:nvPicPr>
-          <p:cNvPr id="17417" name="Picture 22"/>
-          <p:cNvPicPr>
-            <a:picLocks noChangeAspect="1"/>
-          </p:cNvPicPr>
-          <p:nvPr/>
-        </p:nvPicPr>
-        <p:blipFill>
-          <a:blip r:embed="rId5">
-            <a:extLst>
-              <a:ext uri="{28A0092B-C50C-407E-A947-70E740481C1C}">
-                <a14:useLocalDpi xmlns:a14="http://schemas.microsoft.com/office/drawing/2010/main" val="0"/>
-              </a:ext>
-            </a:extLst>
-          </a:blip>
-          <a:srcRect/>
-          <a:stretch>
-            <a:fillRect/>
-          </a:stretch>
-        </p:blipFill>
-        <p:spPr bwMode="auto">
-          <a:xfrm>
-            <a:off x="3883819" y="3640932"/>
-            <a:ext cx="347663" cy="284560"/>
-          </a:xfrm>
-          <a:prstGeom prst="rect">
-            <a:avLst/>
-          </a:prstGeom>
-          <a:noFill/>
-          <a:ln>
-            <a:noFill/>
-          </a:ln>
-          <a:extLst>
-            <a:ext uri="{909E8E84-426E-40DD-AFC4-6F175D3DCCD1}">
-              <a14:hiddenFill xmlns:a14="http://schemas.microsoft.com/office/drawing/2010/main">
-                <a:solidFill>
-                  <a:srgbClr val="FFFFFF"/>
-                </a:solidFill>
-              </a14:hiddenFill>
-            </a:ext>
-            <a:ext uri="{91240B29-F687-4F45-9708-019B960494DF}">
-              <a14:hiddenLine xmlns:a14="http://schemas.microsoft.com/office/drawing/2010/main" w="9525">
-                <a:solidFill>
-                  <a:srgbClr val="000000"/>
-                </a:solidFill>
-                <a:miter lim="800000"/>
-                <a:headEnd/>
-                <a:tailEnd/>
-              </a14:hiddenLine>
-            </a:ext>
-          </a:extLst>
-        </p:spPr>
-      </p:pic>
-      <p:pic>
-        <p:nvPicPr>
-          <p:cNvPr id="17418" name="Picture 23"/>
-          <p:cNvPicPr>
-            <a:picLocks noChangeAspect="1"/>
-          </p:cNvPicPr>
-          <p:nvPr/>
-        </p:nvPicPr>
-        <p:blipFill>
-          <a:blip r:embed="rId6">
-            <a:extLst>
-              <a:ext uri="{28A0092B-C50C-407E-A947-70E740481C1C}">
-                <a14:useLocalDpi xmlns:a14="http://schemas.microsoft.com/office/drawing/2010/main" val="0"/>
-              </a:ext>
-            </a:extLst>
-          </a:blip>
-          <a:srcRect/>
-          <a:stretch>
-            <a:fillRect/>
-          </a:stretch>
-        </p:blipFill>
-        <p:spPr bwMode="auto">
-          <a:xfrm>
-            <a:off x="3883820" y="4111228"/>
-            <a:ext cx="378619" cy="346472"/>
-          </a:xfrm>
-          <a:prstGeom prst="rect">
-            <a:avLst/>
-          </a:prstGeom>
-          <a:noFill/>
-          <a:ln>
-            <a:noFill/>
-          </a:ln>
-          <a:extLst>
-            <a:ext uri="{909E8E84-426E-40DD-AFC4-6F175D3DCCD1}">
-              <a14:hiddenFill xmlns:a14="http://schemas.microsoft.com/office/drawing/2010/main">
-                <a:solidFill>
-                  <a:srgbClr val="FFFFFF"/>
-                </a:solidFill>
-              </a14:hiddenFill>
-            </a:ext>
-            <a:ext uri="{91240B29-F687-4F45-9708-019B960494DF}">
-              <a14:hiddenLine xmlns:a14="http://schemas.microsoft.com/office/drawing/2010/main" w="9525">
-                <a:solidFill>
-                  <a:srgbClr val="000000"/>
-                </a:solidFill>
-                <a:miter lim="800000"/>
-                <a:headEnd/>
-                <a:tailEnd/>
-              </a14:hiddenLine>
-            </a:ext>
-          </a:extLst>
-        </p:spPr>
-      </p:pic>
-      <p:pic>
-        <p:nvPicPr>
-          <p:cNvPr id="17419" name="Picture 2"/>
-          <p:cNvPicPr>
-            <a:picLocks noChangeAspect="1"/>
-          </p:cNvPicPr>
-          <p:nvPr/>
-        </p:nvPicPr>
-        <p:blipFill>
-          <a:blip r:embed="rId7" cstate="print">
-            <a:extLst>
-              <a:ext uri="{28A0092B-C50C-407E-A947-70E740481C1C}">
-                <a14:useLocalDpi xmlns:a14="http://schemas.microsoft.com/office/drawing/2010/main" val="0"/>
-              </a:ext>
-            </a:extLst>
-          </a:blip>
-          <a:srcRect/>
-          <a:stretch>
-            <a:fillRect/>
-          </a:stretch>
-        </p:blipFill>
-        <p:spPr bwMode="auto">
-          <a:xfrm>
-            <a:off x="3883819" y="4586288"/>
-            <a:ext cx="372666" cy="371475"/>
-          </a:xfrm>
-          <a:prstGeom prst="rect">
-            <a:avLst/>
-          </a:prstGeom>
-          <a:noFill/>
-          <a:ln>
-            <a:noFill/>
-          </a:ln>
-          <a:extLst>
-            <a:ext uri="{909E8E84-426E-40DD-AFC4-6F175D3DCCD1}">
-              <a14:hiddenFill xmlns:a14="http://schemas.microsoft.com/office/drawing/2010/main">
-                <a:solidFill>
-                  <a:srgbClr val="FFFFFF"/>
-                </a:solidFill>
-              </a14:hiddenFill>
-            </a:ext>
-            <a:ext uri="{91240B29-F687-4F45-9708-019B960494DF}">
-              <a14:hiddenLine xmlns:a14="http://schemas.microsoft.com/office/drawing/2010/main" w="9525">
-                <a:solidFill>
-                  <a:srgbClr val="000000"/>
-                </a:solidFill>
-                <a:miter lim="800000"/>
-                <a:headEnd/>
-                <a:tailEnd/>
-              </a14:hiddenLine>
-            </a:ext>
-          </a:extLst>
-        </p:spPr>
-      </p:pic>
-      <p:sp>
-        <p:nvSpPr>
-          <p:cNvPr id="4" name="TextBox 3"/>
-          <p:cNvSpPr txBox="1"/>
-          <p:nvPr/>
-        </p:nvSpPr>
-        <p:spPr>
-          <a:xfrm>
-            <a:off x="4312445" y="4586289"/>
-            <a:ext cx="2255044" cy="403957"/>
-          </a:xfrm>
-          <a:prstGeom prst="rect">
-            <a:avLst/>
-          </a:prstGeom>
-          <a:noFill/>
-        </p:spPr>
-        <p:txBody>
-          <a:bodyPr>
-            <a:spAutoFit/>
-          </a:bodyPr>
-          <a:lstStyle/>
-          <a:p>
-            <a:pPr>
-              <a:spcAft>
-                <a:spcPts val="2025"/>
-              </a:spcAft>
-              <a:defRPr/>
-            </a:pPr>
-            <a:r>
-              <a:rPr lang="en-US" sz="2025" dirty="0">
-                <a:solidFill>
-                  <a:schemeClr val="tx1">
-                    <a:lumMod val="50000"/>
-                    <a:lumOff val="50000"/>
-                  </a:schemeClr>
-                </a:solidFill>
-                <a:latin typeface="Microsoft Sans Serif" panose="020B0604020202020204" pitchFamily="34" charset="0"/>
-                <a:ea typeface="ヒラギノ角ゴ ProN W3" charset="0"/>
-              </a:rPr>
-              <a:t>/in/way0utwest</a:t>
-            </a:r>
-          </a:p>
-        </p:txBody>
-      </p:sp>
-      <p:pic>
-        <p:nvPicPr>
-          <p:cNvPr id="17421" name="Picture 12"/>
-          <p:cNvPicPr>
-            <a:picLocks noChangeAspect="1"/>
-          </p:cNvPicPr>
-          <p:nvPr/>
-        </p:nvPicPr>
-        <p:blipFill>
-          <a:blip r:embed="rId8">
-            <a:extLst>
-              <a:ext uri="{28A0092B-C50C-407E-A947-70E740481C1C}">
-                <a14:useLocalDpi xmlns:a14="http://schemas.microsoft.com/office/drawing/2010/main" val="0"/>
-              </a:ext>
-            </a:extLst>
-          </a:blip>
-          <a:srcRect/>
-          <a:stretch>
-            <a:fillRect/>
-          </a:stretch>
-        </p:blipFill>
-        <p:spPr bwMode="auto">
-          <a:xfrm>
-            <a:off x="6567488" y="4463654"/>
-            <a:ext cx="1133475" cy="400050"/>
-          </a:xfrm>
-          <a:prstGeom prst="rect">
-            <a:avLst/>
-          </a:prstGeom>
-          <a:noFill/>
-          <a:ln>
-            <a:noFill/>
-          </a:ln>
-          <a:extLst>
-            <a:ext uri="{909E8E84-426E-40DD-AFC4-6F175D3DCCD1}">
-              <a14:hiddenFill xmlns:a14="http://schemas.microsoft.com/office/drawing/2010/main">
-                <a:solidFill>
-                  <a:srgbClr val="FFFFFF"/>
-                </a:solidFill>
-              </a14:hiddenFill>
-            </a:ext>
-            <a:ext uri="{91240B29-F687-4F45-9708-019B960494DF}">
-              <a14:hiddenLine xmlns:a14="http://schemas.microsoft.com/office/drawing/2010/main" w="9525">
-                <a:solidFill>
-                  <a:srgbClr val="000000"/>
-                </a:solidFill>
-                <a:miter lim="800000"/>
-                <a:headEnd/>
-                <a:tailEnd/>
-              </a14:hiddenLine>
-            </a:ext>
-          </a:extLst>
-        </p:spPr>
-      </p:pic>
-      <p:pic>
-        <p:nvPicPr>
-          <p:cNvPr id="17422" name="Picture 13"/>
-          <p:cNvPicPr>
-            <a:picLocks noChangeAspect="1"/>
-          </p:cNvPicPr>
-          <p:nvPr/>
-        </p:nvPicPr>
-        <p:blipFill>
-          <a:blip r:embed="rId9">
-            <a:extLst>
-              <a:ext uri="{28A0092B-C50C-407E-A947-70E740481C1C}">
-                <a14:useLocalDpi xmlns:a14="http://schemas.microsoft.com/office/drawing/2010/main" val="0"/>
-              </a:ext>
-            </a:extLst>
-          </a:blip>
-          <a:srcRect/>
-          <a:stretch>
-            <a:fillRect/>
-          </a:stretch>
-        </p:blipFill>
-        <p:spPr bwMode="auto">
-          <a:xfrm>
-            <a:off x="1732361" y="4330305"/>
-            <a:ext cx="1644253" cy="582215"/>
-          </a:xfrm>
-          <a:prstGeom prst="rect">
-            <a:avLst/>
-          </a:prstGeom>
-          <a:noFill/>
-          <a:ln>
-            <a:noFill/>
-          </a:ln>
-          <a:extLst>
-            <a:ext uri="{909E8E84-426E-40DD-AFC4-6F175D3DCCD1}">
-              <a14:hiddenFill xmlns:a14="http://schemas.microsoft.com/office/drawing/2010/main">
-                <a:solidFill>
-                  <a:srgbClr val="FFFFFF"/>
-                </a:solidFill>
-              </a14:hiddenFill>
-            </a:ext>
-            <a:ext uri="{91240B29-F687-4F45-9708-019B960494DF}">
-              <a14:hiddenLine xmlns:a14="http://schemas.microsoft.com/office/drawing/2010/main" w="9525">
-                <a:solidFill>
-                  <a:srgbClr val="000000"/>
-                </a:solidFill>
-                <a:miter lim="800000"/>
-                <a:headEnd/>
-                <a:tailEnd/>
-              </a14:hiddenLine>
-            </a:ext>
-          </a:extLst>
-        </p:spPr>
-      </p:pic>
+              <a:rPr lang="en-US" dirty="0"/>
+              <a:t>Demo</a:t>
+            </a:r>
+          </a:p>
+        </p:txBody>
+      </p:sp>
+      <p:sp>
+        <p:nvSpPr>
+          <p:cNvPr id="5" name="Text Placeholder 4"/>
+          <p:cNvSpPr>
+            <a:spLocks noGrp="1"/>
+          </p:cNvSpPr>
+          <p:nvPr>
+            <p:ph type="body" idx="1"/>
+          </p:nvPr>
+        </p:nvSpPr>
+        <p:spPr/>
+        <p:txBody>
+          <a:bodyPr/>
+          <a:lstStyle/>
+          <a:p>
+            <a:r>
+              <a:rPr lang="en-US" dirty="0"/>
+              <a:t>Isolating Functions and Procedures</a:t>
+            </a:r>
+          </a:p>
+        </p:txBody>
+      </p:sp>
     </p:spTree>
     <p:extLst>
       <p:ext uri="{BB962C8B-B14F-4D97-AF65-F5344CB8AC3E}">
-        <p14:creationId xmlns:p14="http://schemas.microsoft.com/office/powerpoint/2010/main" val="1433495170"/>
+        <p14:creationId xmlns:p14="http://schemas.microsoft.com/office/powerpoint/2010/main" val="259900488"/>
       </p:ext>
     </p:extLst>
   </p:cSld>
   <p:clrMapOvr>
     <a:masterClrMapping/>
   </p:clrMapOvr>
-  <p:transition>
-    <p:fade/>
-  </p:transition>
 </p:sld>
 </file>
 
-<file path=ppt/slides/slide4.xml><?xml version="1.0" encoding="utf-8"?>
+<file path=ppt/slides/slide12.xml><?xml version="1.0" encoding="utf-8"?>
 <p:sld xmlns:a="http://schemas.openxmlformats.org/drawingml/2006/main" xmlns:r="http://schemas.openxmlformats.org/officeDocument/2006/relationships" xmlns:p="http://schemas.openxmlformats.org/presentationml/2006/main">
   <p:cSld>
     <p:spTree>
@@ -4804,7 +3985,7 @@
       </p:grpSpPr>
       <p:sp>
         <p:nvSpPr>
-          <p:cNvPr id="2" name="Title 1"/>
+          <p:cNvPr id="4" name="Title 3"/>
           <p:cNvSpPr>
             <a:spLocks noGrp="1"/>
           </p:cNvSpPr>
@@ -4819,19 +4000,19 @@
           <a:p>
             <a:r>
               <a:rPr lang="en-US" dirty="0"/>
-              <a:t>Who are you?</a:t>
-            </a:r>
-          </a:p>
-        </p:txBody>
-      </p:sp>
-      <p:sp>
-        <p:nvSpPr>
-          <p:cNvPr id="3" name="Content Placeholder 2"/>
-          <p:cNvSpPr>
-            <a:spLocks noGrp="1"/>
-          </p:cNvSpPr>
-          <p:nvPr>
-            <p:ph idx="1"/>
+              <a:t>Demo</a:t>
+            </a:r>
+          </a:p>
+        </p:txBody>
+      </p:sp>
+      <p:sp>
+        <p:nvSpPr>
+          <p:cNvPr id="5" name="Text Placeholder 4"/>
+          <p:cNvSpPr>
+            <a:spLocks noGrp="1"/>
+          </p:cNvSpPr>
+          <p:nvPr>
+            <p:ph type="body" idx="1"/>
           </p:nvPr>
         </p:nvSpPr>
         <p:spPr/>
@@ -4841,45 +4022,7 @@
           <a:p>
             <a:r>
               <a:rPr lang="en-US" dirty="0"/>
-              <a:t>DBAs/sysadmins?</a:t>
-            </a:r>
-          </a:p>
-          <a:p>
-            <a:r>
-              <a:rPr lang="en-US" dirty="0"/>
-              <a:t>Developers?</a:t>
-            </a:r>
-          </a:p>
-          <a:p>
-            <a:r>
-              <a:rPr lang="en-US" dirty="0"/>
-              <a:t>Other?</a:t>
-            </a:r>
-          </a:p>
-          <a:p>
-            <a:r>
-              <a:rPr lang="en-US" dirty="0"/>
-              <a:t>Using </a:t>
-            </a:r>
-            <a:r>
-              <a:rPr lang="en-US" dirty="0" err="1"/>
-              <a:t>tSQLt</a:t>
-            </a:r>
-            <a:r>
-              <a:rPr lang="en-US" dirty="0"/>
-              <a:t>?</a:t>
-            </a:r>
-          </a:p>
-          <a:p>
-            <a:r>
-              <a:rPr lang="en-US" dirty="0"/>
-              <a:t>Redgate?</a:t>
-            </a:r>
-          </a:p>
-          <a:p>
-            <a:r>
-              <a:rPr lang="en-US" dirty="0"/>
-              <a:t>Use Redgate tools?</a:t>
+              <a:t>Heuristics</a:t>
             </a:r>
           </a:p>
         </p:txBody>
@@ -4887,7 +4030,7 @@
     </p:spTree>
     <p:extLst>
       <p:ext uri="{BB962C8B-B14F-4D97-AF65-F5344CB8AC3E}">
-        <p14:creationId xmlns:p14="http://schemas.microsoft.com/office/powerpoint/2010/main" val="3546978011"/>
+        <p14:creationId xmlns:p14="http://schemas.microsoft.com/office/powerpoint/2010/main" val="3312720225"/>
       </p:ext>
     </p:extLst>
   </p:cSld>
@@ -4897,7 +4040,7 @@
 </p:sld>
 </file>
 
-<file path=ppt/slides/slide5.xml><?xml version="1.0" encoding="utf-8"?>
+<file path=ppt/slides/slide13.xml><?xml version="1.0" encoding="utf-8"?>
 <p:sld xmlns:a="http://schemas.openxmlformats.org/drawingml/2006/main" xmlns:r="http://schemas.openxmlformats.org/officeDocument/2006/relationships" xmlns:p="http://schemas.openxmlformats.org/presentationml/2006/main">
   <p:cSld>
     <p:spTree>
@@ -4968,7 +4111,7 @@
 </p:sld>
 </file>
 
-<file path=ppt/slides/slide6.xml><?xml version="1.0" encoding="utf-8"?>
+<file path=ppt/slides/slide14.xml><?xml version="1.0" encoding="utf-8"?>
 <p:sld xmlns:a="http://schemas.openxmlformats.org/drawingml/2006/main" xmlns:r="http://schemas.openxmlformats.org/officeDocument/2006/relationships" xmlns:p="http://schemas.openxmlformats.org/presentationml/2006/main">
   <p:cSld>
     <p:spTree>
@@ -5532,6 +4675,1405 @@
 </p:sld>
 </file>
 
+<file path=ppt/slides/slide15.xml><?xml version="1.0" encoding="utf-8"?>
+<p:sld xmlns:a="http://schemas.openxmlformats.org/drawingml/2006/main" xmlns:r="http://schemas.openxmlformats.org/officeDocument/2006/relationships" xmlns:p="http://schemas.openxmlformats.org/presentationml/2006/main">
+  <p:cSld>
+    <p:spTree>
+      <p:nvGrpSpPr>
+        <p:cNvPr id="1" name=""/>
+        <p:cNvGrpSpPr/>
+        <p:nvPr/>
+      </p:nvGrpSpPr>
+      <p:grpSpPr>
+        <a:xfrm>
+          <a:off x="0" y="0"/>
+          <a:ext cx="0" cy="0"/>
+          <a:chOff x="0" y="0"/>
+          <a:chExt cx="0" cy="0"/>
+        </a:xfrm>
+      </p:grpSpPr>
+      <p:sp>
+        <p:nvSpPr>
+          <p:cNvPr id="2" name="Title 1"/>
+          <p:cNvSpPr>
+            <a:spLocks noGrp="1"/>
+          </p:cNvSpPr>
+          <p:nvPr>
+            <p:ph type="title"/>
+          </p:nvPr>
+        </p:nvSpPr>
+        <p:spPr/>
+        <p:txBody>
+          <a:bodyPr/>
+          <a:lstStyle/>
+          <a:p>
+            <a:r>
+              <a:rPr lang="en-US" dirty="0"/>
+              <a:t>References</a:t>
+            </a:r>
+          </a:p>
+        </p:txBody>
+      </p:sp>
+      <p:sp>
+        <p:nvSpPr>
+          <p:cNvPr id="3" name="Content Placeholder 2"/>
+          <p:cNvSpPr>
+            <a:spLocks noGrp="1"/>
+          </p:cNvSpPr>
+          <p:nvPr>
+            <p:ph idx="1"/>
+          </p:nvPr>
+        </p:nvSpPr>
+        <p:spPr/>
+        <p:txBody>
+          <a:bodyPr/>
+          <a:lstStyle/>
+          <a:p>
+            <a:endParaRPr lang="en-US"/>
+          </a:p>
+        </p:txBody>
+      </p:sp>
+    </p:spTree>
+    <p:extLst>
+      <p:ext uri="{BB962C8B-B14F-4D97-AF65-F5344CB8AC3E}">
+        <p14:creationId xmlns:p14="http://schemas.microsoft.com/office/powerpoint/2010/main" val="2092509307"/>
+      </p:ext>
+    </p:extLst>
+  </p:cSld>
+  <p:clrMapOvr>
+    <a:masterClrMapping/>
+  </p:clrMapOvr>
+</p:sld>
+</file>
+
+<file path=ppt/slides/slide2.xml><?xml version="1.0" encoding="utf-8"?>
+<p:sld xmlns:a="http://schemas.openxmlformats.org/drawingml/2006/main" xmlns:r="http://schemas.openxmlformats.org/officeDocument/2006/relationships" xmlns:p="http://schemas.openxmlformats.org/presentationml/2006/main">
+  <p:cSld>
+    <p:spTree>
+      <p:nvGrpSpPr>
+        <p:cNvPr id="1" name=""/>
+        <p:cNvGrpSpPr/>
+        <p:nvPr/>
+      </p:nvGrpSpPr>
+      <p:grpSpPr>
+        <a:xfrm>
+          <a:off x="0" y="0"/>
+          <a:ext cx="0" cy="0"/>
+          <a:chOff x="0" y="0"/>
+          <a:chExt cx="0" cy="0"/>
+        </a:xfrm>
+      </p:grpSpPr>
+      <p:sp>
+        <p:nvSpPr>
+          <p:cNvPr id="2" name="Title 1"/>
+          <p:cNvSpPr>
+            <a:spLocks noGrp="1"/>
+          </p:cNvSpPr>
+          <p:nvPr>
+            <p:ph type="title"/>
+          </p:nvPr>
+        </p:nvSpPr>
+        <p:spPr/>
+        <p:txBody>
+          <a:bodyPr/>
+          <a:lstStyle/>
+          <a:p>
+            <a:r>
+              <a:rPr lang="en-US" dirty="0"/>
+              <a:t>Agenda</a:t>
+            </a:r>
+          </a:p>
+        </p:txBody>
+      </p:sp>
+      <p:sp>
+        <p:nvSpPr>
+          <p:cNvPr id="3" name="Content Placeholder 2"/>
+          <p:cNvSpPr>
+            <a:spLocks noGrp="1"/>
+          </p:cNvSpPr>
+          <p:nvPr>
+            <p:ph idx="1"/>
+          </p:nvPr>
+        </p:nvSpPr>
+        <p:spPr/>
+        <p:txBody>
+          <a:bodyPr>
+            <a:normAutofit lnSpcReduction="10000"/>
+          </a:bodyPr>
+          <a:lstStyle/>
+          <a:p>
+            <a:r>
+              <a:rPr lang="en-US" dirty="0"/>
+              <a:t>Who am I?</a:t>
+            </a:r>
+          </a:p>
+          <a:p>
+            <a:r>
+              <a:rPr lang="en-US" dirty="0"/>
+              <a:t>Testing Standards with Exceptions</a:t>
+            </a:r>
+          </a:p>
+          <a:p>
+            <a:r>
+              <a:rPr lang="en-US" dirty="0"/>
+              <a:t>Preventing ALTER TABLE for 1billion rows</a:t>
+            </a:r>
+          </a:p>
+          <a:p>
+            <a:r>
+              <a:rPr lang="en-US" dirty="0"/>
+              <a:t>Does the join work?</a:t>
+            </a:r>
+          </a:p>
+          <a:p>
+            <a:r>
+              <a:rPr lang="en-US" dirty="0"/>
+              <a:t>Handling GETDATE()</a:t>
+            </a:r>
+          </a:p>
+          <a:p>
+            <a:r>
+              <a:rPr lang="en-US" dirty="0"/>
+              <a:t>Isolating Functions and Procedures</a:t>
+            </a:r>
+          </a:p>
+          <a:p>
+            <a:r>
+              <a:rPr lang="en-US"/>
+              <a:t>Heuristics</a:t>
+            </a:r>
+            <a:endParaRPr lang="en-US" dirty="0"/>
+          </a:p>
+          <a:p>
+            <a:r>
+              <a:rPr lang="en-US" dirty="0"/>
+              <a:t>Organizing Code</a:t>
+            </a:r>
+          </a:p>
+          <a:p>
+            <a:endParaRPr lang="en-US" dirty="0"/>
+          </a:p>
+        </p:txBody>
+      </p:sp>
+    </p:spTree>
+    <p:extLst>
+      <p:ext uri="{BB962C8B-B14F-4D97-AF65-F5344CB8AC3E}">
+        <p14:creationId xmlns:p14="http://schemas.microsoft.com/office/powerpoint/2010/main" val="2639831237"/>
+      </p:ext>
+    </p:extLst>
+  </p:cSld>
+  <p:clrMapOvr>
+    <a:masterClrMapping/>
+  </p:clrMapOvr>
+</p:sld>
+</file>
+
+<file path=ppt/slides/slide3.xml><?xml version="1.0" encoding="utf-8"?>
+<p:sld xmlns:a="http://schemas.openxmlformats.org/drawingml/2006/main" xmlns:r="http://schemas.openxmlformats.org/officeDocument/2006/relationships" xmlns:p="http://schemas.openxmlformats.org/presentationml/2006/main">
+  <p:cSld>
+    <p:spTree>
+      <p:nvGrpSpPr>
+        <p:cNvPr id="1" name=""/>
+        <p:cNvGrpSpPr/>
+        <p:nvPr/>
+      </p:nvGrpSpPr>
+      <p:grpSpPr>
+        <a:xfrm>
+          <a:off x="0" y="0"/>
+          <a:ext cx="0" cy="0"/>
+          <a:chOff x="0" y="0"/>
+          <a:chExt cx="0" cy="0"/>
+        </a:xfrm>
+      </p:grpSpPr>
+      <p:sp>
+        <p:nvSpPr>
+          <p:cNvPr id="17410" name="Title 1"/>
+          <p:cNvSpPr>
+            <a:spLocks noGrp="1"/>
+          </p:cNvSpPr>
+          <p:nvPr>
+            <p:ph type="title"/>
+          </p:nvPr>
+        </p:nvSpPr>
+        <p:spPr/>
+        <p:txBody>
+          <a:bodyPr/>
+          <a:lstStyle/>
+          <a:p>
+            <a:r>
+              <a:rPr lang="en-US" altLang="en-US" sz="2700"/>
+              <a:t>Who am I?</a:t>
+            </a:r>
+          </a:p>
+        </p:txBody>
+      </p:sp>
+      <p:pic>
+        <p:nvPicPr>
+          <p:cNvPr id="17411" name="Picture 2" descr="Steve Jones"/>
+          <p:cNvPicPr>
+            <a:picLocks noChangeAspect="1" noChangeArrowheads="1"/>
+          </p:cNvPicPr>
+          <p:nvPr/>
+        </p:nvPicPr>
+        <p:blipFill>
+          <a:blip r:embed="rId3">
+            <a:extLst>
+              <a:ext uri="{28A0092B-C50C-407E-A947-70E740481C1C}">
+                <a14:useLocalDpi xmlns:a14="http://schemas.microsoft.com/office/drawing/2010/main" val="0"/>
+              </a:ext>
+            </a:extLst>
+          </a:blip>
+          <a:srcRect/>
+          <a:stretch>
+            <a:fillRect/>
+          </a:stretch>
+        </p:blipFill>
+        <p:spPr bwMode="auto">
+          <a:xfrm>
+            <a:off x="1620442" y="2478882"/>
+            <a:ext cx="1931194" cy="1674019"/>
+          </a:xfrm>
+          <a:prstGeom prst="rect">
+            <a:avLst/>
+          </a:prstGeom>
+          <a:noFill/>
+          <a:ln>
+            <a:noFill/>
+          </a:ln>
+          <a:extLst>
+            <a:ext uri="{909E8E84-426E-40DD-AFC4-6F175D3DCCD1}">
+              <a14:hiddenFill xmlns:a14="http://schemas.microsoft.com/office/drawing/2010/main">
+                <a:solidFill>
+                  <a:srgbClr val="FFFFFF"/>
+                </a:solidFill>
+              </a14:hiddenFill>
+            </a:ext>
+            <a:ext uri="{91240B29-F687-4F45-9708-019B960494DF}">
+              <a14:hiddenLine xmlns:a14="http://schemas.microsoft.com/office/drawing/2010/main" w="9525">
+                <a:solidFill>
+                  <a:srgbClr val="000000"/>
+                </a:solidFill>
+                <a:miter lim="800000"/>
+                <a:headEnd/>
+                <a:tailEnd/>
+              </a14:hiddenLine>
+            </a:ext>
+          </a:extLst>
+        </p:spPr>
+      </p:pic>
+      <p:sp>
+        <p:nvSpPr>
+          <p:cNvPr id="18" name="Rectangle 17"/>
+          <p:cNvSpPr/>
+          <p:nvPr/>
+        </p:nvSpPr>
+        <p:spPr>
+          <a:xfrm>
+            <a:off x="4312445" y="3044429"/>
+            <a:ext cx="2980135" cy="403957"/>
+          </a:xfrm>
+          <a:prstGeom prst="rect">
+            <a:avLst/>
+          </a:prstGeom>
+        </p:spPr>
+        <p:txBody>
+          <a:bodyPr>
+            <a:spAutoFit/>
+          </a:bodyPr>
+          <a:lstStyle/>
+          <a:p>
+            <a:pPr>
+              <a:spcAft>
+                <a:spcPts val="2025"/>
+              </a:spcAft>
+              <a:defRPr/>
+            </a:pPr>
+            <a:r>
+              <a:rPr lang="en-US" sz="2025" dirty="0">
+                <a:solidFill>
+                  <a:schemeClr val="tx1">
+                    <a:lumMod val="50000"/>
+                    <a:lumOff val="50000"/>
+                  </a:schemeClr>
+                </a:solidFill>
+                <a:latin typeface="Microsoft Sans Serif" panose="020B0604020202020204" pitchFamily="34" charset="0"/>
+                <a:ea typeface="ヒラギノ角ゴ ProN W3" charset="0"/>
+              </a:rPr>
+              <a:t>www.voiceofthedba.com</a:t>
+            </a:r>
+          </a:p>
+        </p:txBody>
+      </p:sp>
+      <p:sp>
+        <p:nvSpPr>
+          <p:cNvPr id="19" name="Rectangle 18"/>
+          <p:cNvSpPr/>
+          <p:nvPr/>
+        </p:nvSpPr>
+        <p:spPr>
+          <a:xfrm>
+            <a:off x="4312445" y="3569494"/>
+            <a:ext cx="4545806" cy="403957"/>
+          </a:xfrm>
+          <a:prstGeom prst="rect">
+            <a:avLst/>
+          </a:prstGeom>
+        </p:spPr>
+        <p:txBody>
+          <a:bodyPr>
+            <a:spAutoFit/>
+          </a:bodyPr>
+          <a:lstStyle/>
+          <a:p>
+            <a:pPr>
+              <a:spcAft>
+                <a:spcPts val="2025"/>
+              </a:spcAft>
+              <a:defRPr/>
+            </a:pPr>
+            <a:r>
+              <a:rPr lang="en-US" sz="2025" dirty="0" err="1">
+                <a:solidFill>
+                  <a:schemeClr val="tx1">
+                    <a:lumMod val="50000"/>
+                    <a:lumOff val="50000"/>
+                  </a:schemeClr>
+                </a:solidFill>
+                <a:latin typeface="Microsoft Sans Serif" panose="020B0604020202020204" pitchFamily="34" charset="0"/>
+                <a:ea typeface="ヒラギノ角ゴ ProN W3" charset="0"/>
+              </a:rPr>
+              <a:t>sjones@sqlservercentral.com</a:t>
+            </a:r>
+            <a:endParaRPr lang="en-US" sz="2025" dirty="0">
+              <a:solidFill>
+                <a:schemeClr val="tx1">
+                  <a:lumMod val="50000"/>
+                  <a:lumOff val="50000"/>
+                </a:schemeClr>
+              </a:solidFill>
+              <a:latin typeface="Microsoft Sans Serif" panose="020B0604020202020204" pitchFamily="34" charset="0"/>
+              <a:ea typeface="ヒラギノ角ゴ ProN W3" charset="0"/>
+            </a:endParaRPr>
+          </a:p>
+        </p:txBody>
+      </p:sp>
+      <p:sp>
+        <p:nvSpPr>
+          <p:cNvPr id="20" name="Rectangle 19"/>
+          <p:cNvSpPr/>
+          <p:nvPr/>
+        </p:nvSpPr>
+        <p:spPr>
+          <a:xfrm>
+            <a:off x="4312445" y="4082654"/>
+            <a:ext cx="2670572" cy="403957"/>
+          </a:xfrm>
+          <a:prstGeom prst="rect">
+            <a:avLst/>
+          </a:prstGeom>
+        </p:spPr>
+        <p:txBody>
+          <a:bodyPr>
+            <a:spAutoFit/>
+          </a:bodyPr>
+          <a:lstStyle/>
+          <a:p>
+            <a:pPr>
+              <a:spcAft>
+                <a:spcPts val="2025"/>
+              </a:spcAft>
+              <a:defRPr/>
+            </a:pPr>
+            <a:r>
+              <a:rPr lang="en-US" sz="2025" dirty="0">
+                <a:solidFill>
+                  <a:schemeClr val="tx1">
+                    <a:lumMod val="50000"/>
+                    <a:lumOff val="50000"/>
+                  </a:schemeClr>
+                </a:solidFill>
+                <a:latin typeface="Microsoft Sans Serif" panose="020B0604020202020204" pitchFamily="34" charset="0"/>
+                <a:ea typeface="ヒラギノ角ゴ ProN W3" charset="0"/>
+              </a:rPr>
+              <a:t>@way0utwest</a:t>
+            </a:r>
+          </a:p>
+        </p:txBody>
+      </p:sp>
+      <p:sp>
+        <p:nvSpPr>
+          <p:cNvPr id="17415" name="TextBox 20"/>
+          <p:cNvSpPr txBox="1">
+            <a:spLocks noChangeArrowheads="1"/>
+          </p:cNvSpPr>
+          <p:nvPr/>
+        </p:nvSpPr>
+        <p:spPr bwMode="auto">
+          <a:xfrm>
+            <a:off x="3804049" y="1891905"/>
+            <a:ext cx="3982640" cy="877163"/>
+          </a:xfrm>
+          <a:prstGeom prst="rect">
+            <a:avLst/>
+          </a:prstGeom>
+          <a:noFill/>
+          <a:ln>
+            <a:noFill/>
+          </a:ln>
+          <a:extLst>
+            <a:ext uri="{909E8E84-426E-40DD-AFC4-6F175D3DCCD1}">
+              <a14:hiddenFill xmlns:a14="http://schemas.microsoft.com/office/drawing/2010/main">
+                <a:solidFill>
+                  <a:srgbClr val="FFFFFF"/>
+                </a:solidFill>
+              </a14:hiddenFill>
+            </a:ext>
+            <a:ext uri="{91240B29-F687-4F45-9708-019B960494DF}">
+              <a14:hiddenLine xmlns:a14="http://schemas.microsoft.com/office/drawing/2010/main" w="9525">
+                <a:solidFill>
+                  <a:srgbClr val="000000"/>
+                </a:solidFill>
+                <a:miter lim="800000"/>
+                <a:headEnd/>
+                <a:tailEnd/>
+              </a14:hiddenLine>
+            </a:ext>
+          </a:extLst>
+        </p:spPr>
+        <p:txBody>
+          <a:bodyPr>
+            <a:spAutoFit/>
+          </a:bodyPr>
+          <a:lstStyle>
+            <a:lvl1pPr>
+              <a:spcBef>
+                <a:spcPct val="20000"/>
+              </a:spcBef>
+              <a:buFont typeface="Arial" panose="020B0604020202020204" pitchFamily="34" charset="0"/>
+              <a:buChar char="•"/>
+              <a:defRPr sz="3200">
+                <a:solidFill>
+                  <a:schemeClr val="tx1"/>
+                </a:solidFill>
+                <a:latin typeface="Calibri" panose="020F0502020204030204" pitchFamily="34" charset="0"/>
+              </a:defRPr>
+            </a:lvl1pPr>
+            <a:lvl2pPr marL="742950" indent="-285750">
+              <a:spcBef>
+                <a:spcPct val="20000"/>
+              </a:spcBef>
+              <a:buFont typeface="Arial" panose="020B0604020202020204" pitchFamily="34" charset="0"/>
+              <a:buChar char="–"/>
+              <a:defRPr sz="2800">
+                <a:solidFill>
+                  <a:schemeClr val="tx1"/>
+                </a:solidFill>
+                <a:latin typeface="Calibri" panose="020F0502020204030204" pitchFamily="34" charset="0"/>
+              </a:defRPr>
+            </a:lvl2pPr>
+            <a:lvl3pPr marL="1143000" indent="-228600">
+              <a:spcBef>
+                <a:spcPct val="20000"/>
+              </a:spcBef>
+              <a:buFont typeface="Arial" panose="020B0604020202020204" pitchFamily="34" charset="0"/>
+              <a:buChar char="•"/>
+              <a:defRPr sz="2400">
+                <a:solidFill>
+                  <a:schemeClr val="tx1"/>
+                </a:solidFill>
+                <a:latin typeface="Calibri" panose="020F0502020204030204" pitchFamily="34" charset="0"/>
+              </a:defRPr>
+            </a:lvl3pPr>
+            <a:lvl4pPr marL="1600200" indent="-228600">
+              <a:spcBef>
+                <a:spcPct val="20000"/>
+              </a:spcBef>
+              <a:buFont typeface="Arial" panose="020B0604020202020204" pitchFamily="34" charset="0"/>
+              <a:buChar char="–"/>
+              <a:defRPr sz="2000">
+                <a:solidFill>
+                  <a:schemeClr val="tx1"/>
+                </a:solidFill>
+                <a:latin typeface="Calibri" panose="020F0502020204030204" pitchFamily="34" charset="0"/>
+              </a:defRPr>
+            </a:lvl4pPr>
+            <a:lvl5pPr marL="2057400" indent="-228600">
+              <a:spcBef>
+                <a:spcPct val="20000"/>
+              </a:spcBef>
+              <a:buFont typeface="Arial" panose="020B0604020202020204" pitchFamily="34" charset="0"/>
+              <a:buChar char="»"/>
+              <a:defRPr sz="2000">
+                <a:solidFill>
+                  <a:schemeClr val="tx1"/>
+                </a:solidFill>
+                <a:latin typeface="Calibri" panose="020F0502020204030204" pitchFamily="34" charset="0"/>
+              </a:defRPr>
+            </a:lvl5pPr>
+            <a:lvl6pPr marL="2514600" indent="-228600" eaLnBrk="0" fontAlgn="base" hangingPunct="0">
+              <a:spcBef>
+                <a:spcPct val="20000"/>
+              </a:spcBef>
+              <a:spcAft>
+                <a:spcPct val="0"/>
+              </a:spcAft>
+              <a:buFont typeface="Arial" panose="020B0604020202020204" pitchFamily="34" charset="0"/>
+              <a:buChar char="»"/>
+              <a:defRPr sz="2000">
+                <a:solidFill>
+                  <a:schemeClr val="tx1"/>
+                </a:solidFill>
+                <a:latin typeface="Calibri" panose="020F0502020204030204" pitchFamily="34" charset="0"/>
+              </a:defRPr>
+            </a:lvl6pPr>
+            <a:lvl7pPr marL="2971800" indent="-228600" eaLnBrk="0" fontAlgn="base" hangingPunct="0">
+              <a:spcBef>
+                <a:spcPct val="20000"/>
+              </a:spcBef>
+              <a:spcAft>
+                <a:spcPct val="0"/>
+              </a:spcAft>
+              <a:buFont typeface="Arial" panose="020B0604020202020204" pitchFamily="34" charset="0"/>
+              <a:buChar char="»"/>
+              <a:defRPr sz="2000">
+                <a:solidFill>
+                  <a:schemeClr val="tx1"/>
+                </a:solidFill>
+                <a:latin typeface="Calibri" panose="020F0502020204030204" pitchFamily="34" charset="0"/>
+              </a:defRPr>
+            </a:lvl7pPr>
+            <a:lvl8pPr marL="3429000" indent="-228600" eaLnBrk="0" fontAlgn="base" hangingPunct="0">
+              <a:spcBef>
+                <a:spcPct val="20000"/>
+              </a:spcBef>
+              <a:spcAft>
+                <a:spcPct val="0"/>
+              </a:spcAft>
+              <a:buFont typeface="Arial" panose="020B0604020202020204" pitchFamily="34" charset="0"/>
+              <a:buChar char="»"/>
+              <a:defRPr sz="2000">
+                <a:solidFill>
+                  <a:schemeClr val="tx1"/>
+                </a:solidFill>
+                <a:latin typeface="Calibri" panose="020F0502020204030204" pitchFamily="34" charset="0"/>
+              </a:defRPr>
+            </a:lvl8pPr>
+            <a:lvl9pPr marL="3886200" indent="-228600" eaLnBrk="0" fontAlgn="base" hangingPunct="0">
+              <a:spcBef>
+                <a:spcPct val="20000"/>
+              </a:spcBef>
+              <a:spcAft>
+                <a:spcPct val="0"/>
+              </a:spcAft>
+              <a:buFont typeface="Arial" panose="020B0604020202020204" pitchFamily="34" charset="0"/>
+              <a:buChar char="»"/>
+              <a:defRPr sz="2000">
+                <a:solidFill>
+                  <a:schemeClr val="tx1"/>
+                </a:solidFill>
+                <a:latin typeface="Calibri" panose="020F0502020204030204" pitchFamily="34" charset="0"/>
+              </a:defRPr>
+            </a:lvl9pPr>
+          </a:lstStyle>
+          <a:p>
+            <a:pPr eaLnBrk="1" hangingPunct="1">
+              <a:spcBef>
+                <a:spcPct val="0"/>
+              </a:spcBef>
+              <a:buFontTx/>
+              <a:buNone/>
+            </a:pPr>
+            <a:r>
+              <a:rPr lang="en-US" altLang="en-US" sz="2100" b="1">
+                <a:solidFill>
+                  <a:srgbClr val="CC0000"/>
+                </a:solidFill>
+                <a:latin typeface="Arial" panose="020B0604020202020204" pitchFamily="34" charset="0"/>
+                <a:ea typeface="ヒラギノ角ゴ ProN W3" charset="0"/>
+                <a:cs typeface="Arial" panose="020B0604020202020204" pitchFamily="34" charset="0"/>
+              </a:rPr>
+              <a:t>Steve Jones</a:t>
+            </a:r>
+          </a:p>
+          <a:p>
+            <a:pPr eaLnBrk="1" hangingPunct="1">
+              <a:spcBef>
+                <a:spcPct val="0"/>
+              </a:spcBef>
+              <a:buFontTx/>
+              <a:buNone/>
+            </a:pPr>
+            <a:r>
+              <a:rPr lang="en-US" altLang="en-US" sz="1500" b="1">
+                <a:solidFill>
+                  <a:srgbClr val="CC0000"/>
+                </a:solidFill>
+                <a:latin typeface="Arial" panose="020B0604020202020204" pitchFamily="34" charset="0"/>
+                <a:ea typeface="ヒラギノ角ゴ ProN W3" charset="0"/>
+                <a:cs typeface="Arial" panose="020B0604020202020204" pitchFamily="34" charset="0"/>
+              </a:rPr>
+              <a:t>SQLServerCentral founder</a:t>
+            </a:r>
+          </a:p>
+          <a:p>
+            <a:pPr eaLnBrk="1" hangingPunct="1">
+              <a:spcBef>
+                <a:spcPct val="0"/>
+              </a:spcBef>
+              <a:buFontTx/>
+              <a:buNone/>
+            </a:pPr>
+            <a:r>
+              <a:rPr lang="en-US" altLang="en-US" sz="1500" b="1">
+                <a:solidFill>
+                  <a:srgbClr val="CC0000"/>
+                </a:solidFill>
+                <a:latin typeface="Arial" panose="020B0604020202020204" pitchFamily="34" charset="0"/>
+                <a:ea typeface="ヒラギノ角ゴ ProN W3" charset="0"/>
+                <a:cs typeface="Arial" panose="020B0604020202020204" pitchFamily="34" charset="0"/>
+              </a:rPr>
+              <a:t>Redgate Software Evangelist</a:t>
+            </a:r>
+          </a:p>
+        </p:txBody>
+      </p:sp>
+      <p:pic>
+        <p:nvPicPr>
+          <p:cNvPr id="17416" name="Picture 21"/>
+          <p:cNvPicPr>
+            <a:picLocks noChangeAspect="1"/>
+          </p:cNvPicPr>
+          <p:nvPr/>
+        </p:nvPicPr>
+        <p:blipFill>
+          <a:blip r:embed="rId4">
+            <a:extLst>
+              <a:ext uri="{28A0092B-C50C-407E-A947-70E740481C1C}">
+                <a14:useLocalDpi xmlns:a14="http://schemas.microsoft.com/office/drawing/2010/main" val="0"/>
+              </a:ext>
+            </a:extLst>
+          </a:blip>
+          <a:srcRect/>
+          <a:stretch>
+            <a:fillRect/>
+          </a:stretch>
+        </p:blipFill>
+        <p:spPr bwMode="auto">
+          <a:xfrm>
+            <a:off x="3883820" y="3067050"/>
+            <a:ext cx="326231" cy="358379"/>
+          </a:xfrm>
+          <a:prstGeom prst="rect">
+            <a:avLst/>
+          </a:prstGeom>
+          <a:noFill/>
+          <a:ln>
+            <a:noFill/>
+          </a:ln>
+          <a:extLst>
+            <a:ext uri="{909E8E84-426E-40DD-AFC4-6F175D3DCCD1}">
+              <a14:hiddenFill xmlns:a14="http://schemas.microsoft.com/office/drawing/2010/main">
+                <a:solidFill>
+                  <a:srgbClr val="FFFFFF"/>
+                </a:solidFill>
+              </a14:hiddenFill>
+            </a:ext>
+            <a:ext uri="{91240B29-F687-4F45-9708-019B960494DF}">
+              <a14:hiddenLine xmlns:a14="http://schemas.microsoft.com/office/drawing/2010/main" w="9525">
+                <a:solidFill>
+                  <a:srgbClr val="000000"/>
+                </a:solidFill>
+                <a:miter lim="800000"/>
+                <a:headEnd/>
+                <a:tailEnd/>
+              </a14:hiddenLine>
+            </a:ext>
+          </a:extLst>
+        </p:spPr>
+      </p:pic>
+      <p:pic>
+        <p:nvPicPr>
+          <p:cNvPr id="17417" name="Picture 22"/>
+          <p:cNvPicPr>
+            <a:picLocks noChangeAspect="1"/>
+          </p:cNvPicPr>
+          <p:nvPr/>
+        </p:nvPicPr>
+        <p:blipFill>
+          <a:blip r:embed="rId5">
+            <a:extLst>
+              <a:ext uri="{28A0092B-C50C-407E-A947-70E740481C1C}">
+                <a14:useLocalDpi xmlns:a14="http://schemas.microsoft.com/office/drawing/2010/main" val="0"/>
+              </a:ext>
+            </a:extLst>
+          </a:blip>
+          <a:srcRect/>
+          <a:stretch>
+            <a:fillRect/>
+          </a:stretch>
+        </p:blipFill>
+        <p:spPr bwMode="auto">
+          <a:xfrm>
+            <a:off x="3883819" y="3640932"/>
+            <a:ext cx="347663" cy="284560"/>
+          </a:xfrm>
+          <a:prstGeom prst="rect">
+            <a:avLst/>
+          </a:prstGeom>
+          <a:noFill/>
+          <a:ln>
+            <a:noFill/>
+          </a:ln>
+          <a:extLst>
+            <a:ext uri="{909E8E84-426E-40DD-AFC4-6F175D3DCCD1}">
+              <a14:hiddenFill xmlns:a14="http://schemas.microsoft.com/office/drawing/2010/main">
+                <a:solidFill>
+                  <a:srgbClr val="FFFFFF"/>
+                </a:solidFill>
+              </a14:hiddenFill>
+            </a:ext>
+            <a:ext uri="{91240B29-F687-4F45-9708-019B960494DF}">
+              <a14:hiddenLine xmlns:a14="http://schemas.microsoft.com/office/drawing/2010/main" w="9525">
+                <a:solidFill>
+                  <a:srgbClr val="000000"/>
+                </a:solidFill>
+                <a:miter lim="800000"/>
+                <a:headEnd/>
+                <a:tailEnd/>
+              </a14:hiddenLine>
+            </a:ext>
+          </a:extLst>
+        </p:spPr>
+      </p:pic>
+      <p:pic>
+        <p:nvPicPr>
+          <p:cNvPr id="17418" name="Picture 23"/>
+          <p:cNvPicPr>
+            <a:picLocks noChangeAspect="1"/>
+          </p:cNvPicPr>
+          <p:nvPr/>
+        </p:nvPicPr>
+        <p:blipFill>
+          <a:blip r:embed="rId6">
+            <a:extLst>
+              <a:ext uri="{28A0092B-C50C-407E-A947-70E740481C1C}">
+                <a14:useLocalDpi xmlns:a14="http://schemas.microsoft.com/office/drawing/2010/main" val="0"/>
+              </a:ext>
+            </a:extLst>
+          </a:blip>
+          <a:srcRect/>
+          <a:stretch>
+            <a:fillRect/>
+          </a:stretch>
+        </p:blipFill>
+        <p:spPr bwMode="auto">
+          <a:xfrm>
+            <a:off x="3883820" y="4111228"/>
+            <a:ext cx="378619" cy="346472"/>
+          </a:xfrm>
+          <a:prstGeom prst="rect">
+            <a:avLst/>
+          </a:prstGeom>
+          <a:noFill/>
+          <a:ln>
+            <a:noFill/>
+          </a:ln>
+          <a:extLst>
+            <a:ext uri="{909E8E84-426E-40DD-AFC4-6F175D3DCCD1}">
+              <a14:hiddenFill xmlns:a14="http://schemas.microsoft.com/office/drawing/2010/main">
+                <a:solidFill>
+                  <a:srgbClr val="FFFFFF"/>
+                </a:solidFill>
+              </a14:hiddenFill>
+            </a:ext>
+            <a:ext uri="{91240B29-F687-4F45-9708-019B960494DF}">
+              <a14:hiddenLine xmlns:a14="http://schemas.microsoft.com/office/drawing/2010/main" w="9525">
+                <a:solidFill>
+                  <a:srgbClr val="000000"/>
+                </a:solidFill>
+                <a:miter lim="800000"/>
+                <a:headEnd/>
+                <a:tailEnd/>
+              </a14:hiddenLine>
+            </a:ext>
+          </a:extLst>
+        </p:spPr>
+      </p:pic>
+      <p:pic>
+        <p:nvPicPr>
+          <p:cNvPr id="17419" name="Picture 2"/>
+          <p:cNvPicPr>
+            <a:picLocks noChangeAspect="1"/>
+          </p:cNvPicPr>
+          <p:nvPr/>
+        </p:nvPicPr>
+        <p:blipFill>
+          <a:blip r:embed="rId7" cstate="print">
+            <a:extLst>
+              <a:ext uri="{28A0092B-C50C-407E-A947-70E740481C1C}">
+                <a14:useLocalDpi xmlns:a14="http://schemas.microsoft.com/office/drawing/2010/main" val="0"/>
+              </a:ext>
+            </a:extLst>
+          </a:blip>
+          <a:srcRect/>
+          <a:stretch>
+            <a:fillRect/>
+          </a:stretch>
+        </p:blipFill>
+        <p:spPr bwMode="auto">
+          <a:xfrm>
+            <a:off x="3883819" y="4586288"/>
+            <a:ext cx="372666" cy="371475"/>
+          </a:xfrm>
+          <a:prstGeom prst="rect">
+            <a:avLst/>
+          </a:prstGeom>
+          <a:noFill/>
+          <a:ln>
+            <a:noFill/>
+          </a:ln>
+          <a:extLst>
+            <a:ext uri="{909E8E84-426E-40DD-AFC4-6F175D3DCCD1}">
+              <a14:hiddenFill xmlns:a14="http://schemas.microsoft.com/office/drawing/2010/main">
+                <a:solidFill>
+                  <a:srgbClr val="FFFFFF"/>
+                </a:solidFill>
+              </a14:hiddenFill>
+            </a:ext>
+            <a:ext uri="{91240B29-F687-4F45-9708-019B960494DF}">
+              <a14:hiddenLine xmlns:a14="http://schemas.microsoft.com/office/drawing/2010/main" w="9525">
+                <a:solidFill>
+                  <a:srgbClr val="000000"/>
+                </a:solidFill>
+                <a:miter lim="800000"/>
+                <a:headEnd/>
+                <a:tailEnd/>
+              </a14:hiddenLine>
+            </a:ext>
+          </a:extLst>
+        </p:spPr>
+      </p:pic>
+      <p:sp>
+        <p:nvSpPr>
+          <p:cNvPr id="4" name="TextBox 3"/>
+          <p:cNvSpPr txBox="1"/>
+          <p:nvPr/>
+        </p:nvSpPr>
+        <p:spPr>
+          <a:xfrm>
+            <a:off x="4312445" y="4586289"/>
+            <a:ext cx="2255044" cy="403957"/>
+          </a:xfrm>
+          <a:prstGeom prst="rect">
+            <a:avLst/>
+          </a:prstGeom>
+          <a:noFill/>
+        </p:spPr>
+        <p:txBody>
+          <a:bodyPr>
+            <a:spAutoFit/>
+          </a:bodyPr>
+          <a:lstStyle/>
+          <a:p>
+            <a:pPr>
+              <a:spcAft>
+                <a:spcPts val="2025"/>
+              </a:spcAft>
+              <a:defRPr/>
+            </a:pPr>
+            <a:r>
+              <a:rPr lang="en-US" sz="2025" dirty="0">
+                <a:solidFill>
+                  <a:schemeClr val="tx1">
+                    <a:lumMod val="50000"/>
+                    <a:lumOff val="50000"/>
+                  </a:schemeClr>
+                </a:solidFill>
+                <a:latin typeface="Microsoft Sans Serif" panose="020B0604020202020204" pitchFamily="34" charset="0"/>
+                <a:ea typeface="ヒラギノ角ゴ ProN W3" charset="0"/>
+              </a:rPr>
+              <a:t>/in/way0utwest</a:t>
+            </a:r>
+          </a:p>
+        </p:txBody>
+      </p:sp>
+      <p:pic>
+        <p:nvPicPr>
+          <p:cNvPr id="17421" name="Picture 12"/>
+          <p:cNvPicPr>
+            <a:picLocks noChangeAspect="1"/>
+          </p:cNvPicPr>
+          <p:nvPr/>
+        </p:nvPicPr>
+        <p:blipFill>
+          <a:blip r:embed="rId8">
+            <a:extLst>
+              <a:ext uri="{28A0092B-C50C-407E-A947-70E740481C1C}">
+                <a14:useLocalDpi xmlns:a14="http://schemas.microsoft.com/office/drawing/2010/main" val="0"/>
+              </a:ext>
+            </a:extLst>
+          </a:blip>
+          <a:srcRect/>
+          <a:stretch>
+            <a:fillRect/>
+          </a:stretch>
+        </p:blipFill>
+        <p:spPr bwMode="auto">
+          <a:xfrm>
+            <a:off x="6567488" y="4463654"/>
+            <a:ext cx="1133475" cy="400050"/>
+          </a:xfrm>
+          <a:prstGeom prst="rect">
+            <a:avLst/>
+          </a:prstGeom>
+          <a:noFill/>
+          <a:ln>
+            <a:noFill/>
+          </a:ln>
+          <a:extLst>
+            <a:ext uri="{909E8E84-426E-40DD-AFC4-6F175D3DCCD1}">
+              <a14:hiddenFill xmlns:a14="http://schemas.microsoft.com/office/drawing/2010/main">
+                <a:solidFill>
+                  <a:srgbClr val="FFFFFF"/>
+                </a:solidFill>
+              </a14:hiddenFill>
+            </a:ext>
+            <a:ext uri="{91240B29-F687-4F45-9708-019B960494DF}">
+              <a14:hiddenLine xmlns:a14="http://schemas.microsoft.com/office/drawing/2010/main" w="9525">
+                <a:solidFill>
+                  <a:srgbClr val="000000"/>
+                </a:solidFill>
+                <a:miter lim="800000"/>
+                <a:headEnd/>
+                <a:tailEnd/>
+              </a14:hiddenLine>
+            </a:ext>
+          </a:extLst>
+        </p:spPr>
+      </p:pic>
+      <p:pic>
+        <p:nvPicPr>
+          <p:cNvPr id="17422" name="Picture 13"/>
+          <p:cNvPicPr>
+            <a:picLocks noChangeAspect="1"/>
+          </p:cNvPicPr>
+          <p:nvPr/>
+        </p:nvPicPr>
+        <p:blipFill>
+          <a:blip r:embed="rId9">
+            <a:extLst>
+              <a:ext uri="{28A0092B-C50C-407E-A947-70E740481C1C}">
+                <a14:useLocalDpi xmlns:a14="http://schemas.microsoft.com/office/drawing/2010/main" val="0"/>
+              </a:ext>
+            </a:extLst>
+          </a:blip>
+          <a:srcRect/>
+          <a:stretch>
+            <a:fillRect/>
+          </a:stretch>
+        </p:blipFill>
+        <p:spPr bwMode="auto">
+          <a:xfrm>
+            <a:off x="1732361" y="4330305"/>
+            <a:ext cx="1644253" cy="582215"/>
+          </a:xfrm>
+          <a:prstGeom prst="rect">
+            <a:avLst/>
+          </a:prstGeom>
+          <a:noFill/>
+          <a:ln>
+            <a:noFill/>
+          </a:ln>
+          <a:extLst>
+            <a:ext uri="{909E8E84-426E-40DD-AFC4-6F175D3DCCD1}">
+              <a14:hiddenFill xmlns:a14="http://schemas.microsoft.com/office/drawing/2010/main">
+                <a:solidFill>
+                  <a:srgbClr val="FFFFFF"/>
+                </a:solidFill>
+              </a14:hiddenFill>
+            </a:ext>
+            <a:ext uri="{91240B29-F687-4F45-9708-019B960494DF}">
+              <a14:hiddenLine xmlns:a14="http://schemas.microsoft.com/office/drawing/2010/main" w="9525">
+                <a:solidFill>
+                  <a:srgbClr val="000000"/>
+                </a:solidFill>
+                <a:miter lim="800000"/>
+                <a:headEnd/>
+                <a:tailEnd/>
+              </a14:hiddenLine>
+            </a:ext>
+          </a:extLst>
+        </p:spPr>
+      </p:pic>
+    </p:spTree>
+    <p:extLst>
+      <p:ext uri="{BB962C8B-B14F-4D97-AF65-F5344CB8AC3E}">
+        <p14:creationId xmlns:p14="http://schemas.microsoft.com/office/powerpoint/2010/main" val="1433495170"/>
+      </p:ext>
+    </p:extLst>
+  </p:cSld>
+  <p:clrMapOvr>
+    <a:masterClrMapping/>
+  </p:clrMapOvr>
+  <p:transition>
+    <p:fade/>
+  </p:transition>
+</p:sld>
+</file>
+
+<file path=ppt/slides/slide4.xml><?xml version="1.0" encoding="utf-8"?>
+<p:sld xmlns:a="http://schemas.openxmlformats.org/drawingml/2006/main" xmlns:r="http://schemas.openxmlformats.org/officeDocument/2006/relationships" xmlns:p="http://schemas.openxmlformats.org/presentationml/2006/main">
+  <p:cSld>
+    <p:spTree>
+      <p:nvGrpSpPr>
+        <p:cNvPr id="1" name=""/>
+        <p:cNvGrpSpPr/>
+        <p:nvPr/>
+      </p:nvGrpSpPr>
+      <p:grpSpPr>
+        <a:xfrm>
+          <a:off x="0" y="0"/>
+          <a:ext cx="0" cy="0"/>
+          <a:chOff x="0" y="0"/>
+          <a:chExt cx="0" cy="0"/>
+        </a:xfrm>
+      </p:grpSpPr>
+      <p:sp>
+        <p:nvSpPr>
+          <p:cNvPr id="2" name="Title 1"/>
+          <p:cNvSpPr>
+            <a:spLocks noGrp="1"/>
+          </p:cNvSpPr>
+          <p:nvPr>
+            <p:ph type="title"/>
+          </p:nvPr>
+        </p:nvSpPr>
+        <p:spPr/>
+        <p:txBody>
+          <a:bodyPr/>
+          <a:lstStyle/>
+          <a:p>
+            <a:r>
+              <a:rPr lang="en-US" dirty="0"/>
+              <a:t>Who are you?</a:t>
+            </a:r>
+          </a:p>
+        </p:txBody>
+      </p:sp>
+      <p:sp>
+        <p:nvSpPr>
+          <p:cNvPr id="3" name="Content Placeholder 2"/>
+          <p:cNvSpPr>
+            <a:spLocks noGrp="1"/>
+          </p:cNvSpPr>
+          <p:nvPr>
+            <p:ph idx="1"/>
+          </p:nvPr>
+        </p:nvSpPr>
+        <p:spPr/>
+        <p:txBody>
+          <a:bodyPr/>
+          <a:lstStyle/>
+          <a:p>
+            <a:r>
+              <a:rPr lang="en-US" dirty="0"/>
+              <a:t>DBAs/sysadmins?</a:t>
+            </a:r>
+          </a:p>
+          <a:p>
+            <a:r>
+              <a:rPr lang="en-US" dirty="0"/>
+              <a:t>Developers?</a:t>
+            </a:r>
+          </a:p>
+          <a:p>
+            <a:r>
+              <a:rPr lang="en-US" dirty="0"/>
+              <a:t>Other?</a:t>
+            </a:r>
+          </a:p>
+          <a:p>
+            <a:r>
+              <a:rPr lang="en-US" dirty="0"/>
+              <a:t>Using </a:t>
+            </a:r>
+            <a:r>
+              <a:rPr lang="en-US" dirty="0" err="1"/>
+              <a:t>tSQLt</a:t>
+            </a:r>
+            <a:r>
+              <a:rPr lang="en-US" dirty="0"/>
+              <a:t>?</a:t>
+            </a:r>
+          </a:p>
+          <a:p>
+            <a:r>
+              <a:rPr lang="en-US" dirty="0"/>
+              <a:t>Redgate?</a:t>
+            </a:r>
+          </a:p>
+          <a:p>
+            <a:r>
+              <a:rPr lang="en-US" dirty="0"/>
+              <a:t>Use Redgate tools?</a:t>
+            </a:r>
+          </a:p>
+        </p:txBody>
+      </p:sp>
+    </p:spTree>
+    <p:extLst>
+      <p:ext uri="{BB962C8B-B14F-4D97-AF65-F5344CB8AC3E}">
+        <p14:creationId xmlns:p14="http://schemas.microsoft.com/office/powerpoint/2010/main" val="3546978011"/>
+      </p:ext>
+    </p:extLst>
+  </p:cSld>
+  <p:clrMapOvr>
+    <a:masterClrMapping/>
+  </p:clrMapOvr>
+</p:sld>
+</file>
+
+<file path=ppt/slides/slide5.xml><?xml version="1.0" encoding="utf-8"?>
+<p:sld xmlns:a="http://schemas.openxmlformats.org/drawingml/2006/main" xmlns:r="http://schemas.openxmlformats.org/officeDocument/2006/relationships" xmlns:p="http://schemas.openxmlformats.org/presentationml/2006/main">
+  <p:cSld>
+    <p:spTree>
+      <p:nvGrpSpPr>
+        <p:cNvPr id="1" name=""/>
+        <p:cNvGrpSpPr/>
+        <p:nvPr/>
+      </p:nvGrpSpPr>
+      <p:grpSpPr>
+        <a:xfrm>
+          <a:off x="0" y="0"/>
+          <a:ext cx="0" cy="0"/>
+          <a:chOff x="0" y="0"/>
+          <a:chExt cx="0" cy="0"/>
+        </a:xfrm>
+      </p:grpSpPr>
+      <p:sp>
+        <p:nvSpPr>
+          <p:cNvPr id="2" name="Title 1"/>
+          <p:cNvSpPr>
+            <a:spLocks noGrp="1"/>
+          </p:cNvSpPr>
+          <p:nvPr>
+            <p:ph type="title"/>
+          </p:nvPr>
+        </p:nvSpPr>
+        <p:spPr/>
+        <p:txBody>
+          <a:bodyPr/>
+          <a:lstStyle/>
+          <a:p>
+            <a:r>
+              <a:rPr lang="en-US" dirty="0"/>
+              <a:t>Testing T-SQL</a:t>
+            </a:r>
+          </a:p>
+        </p:txBody>
+      </p:sp>
+      <p:sp>
+        <p:nvSpPr>
+          <p:cNvPr id="3" name="Content Placeholder 2"/>
+          <p:cNvSpPr>
+            <a:spLocks noGrp="1"/>
+          </p:cNvSpPr>
+          <p:nvPr>
+            <p:ph idx="1"/>
+          </p:nvPr>
+        </p:nvSpPr>
+        <p:spPr/>
+        <p:txBody>
+          <a:bodyPr/>
+          <a:lstStyle/>
+          <a:p>
+            <a:r>
+              <a:rPr lang="en-US" dirty="0" err="1"/>
+              <a:t>Tsqlt</a:t>
+            </a:r>
+            <a:r>
+              <a:rPr lang="en-US" dirty="0"/>
+              <a:t> testing framework</a:t>
+            </a:r>
+          </a:p>
+          <a:p>
+            <a:r>
+              <a:rPr lang="en-US" dirty="0">
+                <a:hlinkClick r:id="rId2"/>
+              </a:rPr>
+              <a:t>Tsqlt.org</a:t>
+            </a:r>
+            <a:endParaRPr lang="en-US" dirty="0"/>
+          </a:p>
+          <a:p>
+            <a:r>
+              <a:rPr lang="en-US" dirty="0"/>
+              <a:t>Unit testing similar to </a:t>
+            </a:r>
+            <a:r>
+              <a:rPr lang="en-US" dirty="0" err="1"/>
+              <a:t>nunit</a:t>
+            </a:r>
+            <a:r>
+              <a:rPr lang="en-US" dirty="0"/>
+              <a:t>/</a:t>
+            </a:r>
+            <a:r>
+              <a:rPr lang="en-US" dirty="0" err="1"/>
+              <a:t>junit</a:t>
+            </a:r>
+            <a:r>
+              <a:rPr lang="en-US" dirty="0"/>
+              <a:t>/</a:t>
+            </a:r>
+            <a:r>
+              <a:rPr lang="en-US" dirty="0" err="1"/>
+              <a:t>xunit</a:t>
+            </a:r>
+            <a:endParaRPr lang="en-US" dirty="0"/>
+          </a:p>
+          <a:p>
+            <a:r>
+              <a:rPr lang="en-US" dirty="0"/>
+              <a:t>Format</a:t>
+            </a:r>
+          </a:p>
+          <a:p>
+            <a:pPr lvl="1"/>
+            <a:r>
+              <a:rPr lang="en-US" dirty="0"/>
+              <a:t>Assemble</a:t>
+            </a:r>
+          </a:p>
+          <a:p>
+            <a:pPr lvl="1"/>
+            <a:r>
+              <a:rPr lang="en-US" dirty="0"/>
+              <a:t>Act</a:t>
+            </a:r>
+          </a:p>
+          <a:p>
+            <a:pPr lvl="1"/>
+            <a:r>
+              <a:rPr lang="en-US" dirty="0"/>
+              <a:t>Assert</a:t>
+            </a:r>
+          </a:p>
+        </p:txBody>
+      </p:sp>
+    </p:spTree>
+    <p:extLst>
+      <p:ext uri="{BB962C8B-B14F-4D97-AF65-F5344CB8AC3E}">
+        <p14:creationId xmlns:p14="http://schemas.microsoft.com/office/powerpoint/2010/main" val="263579044"/>
+      </p:ext>
+    </p:extLst>
+  </p:cSld>
+  <p:clrMapOvr>
+    <a:masterClrMapping/>
+  </p:clrMapOvr>
+</p:sld>
+</file>
+
+<file path=ppt/slides/slide6.xml><?xml version="1.0" encoding="utf-8"?>
+<p:sld xmlns:a="http://schemas.openxmlformats.org/drawingml/2006/main" xmlns:r="http://schemas.openxmlformats.org/officeDocument/2006/relationships" xmlns:p="http://schemas.openxmlformats.org/presentationml/2006/main">
+  <p:cSld>
+    <p:spTree>
+      <p:nvGrpSpPr>
+        <p:cNvPr id="1" name=""/>
+        <p:cNvGrpSpPr/>
+        <p:nvPr/>
+      </p:nvGrpSpPr>
+      <p:grpSpPr>
+        <a:xfrm>
+          <a:off x="0" y="0"/>
+          <a:ext cx="0" cy="0"/>
+          <a:chOff x="0" y="0"/>
+          <a:chExt cx="0" cy="0"/>
+        </a:xfrm>
+      </p:grpSpPr>
+      <p:sp>
+        <p:nvSpPr>
+          <p:cNvPr id="2" name="Title 1"/>
+          <p:cNvSpPr>
+            <a:spLocks noGrp="1"/>
+          </p:cNvSpPr>
+          <p:nvPr>
+            <p:ph type="title"/>
+          </p:nvPr>
+        </p:nvSpPr>
+        <p:spPr/>
+        <p:txBody>
+          <a:bodyPr/>
+          <a:lstStyle/>
+          <a:p>
+            <a:r>
+              <a:rPr lang="en-US" dirty="0"/>
+              <a:t>Testing Standards</a:t>
+            </a:r>
+          </a:p>
+        </p:txBody>
+      </p:sp>
+      <p:sp>
+        <p:nvSpPr>
+          <p:cNvPr id="3" name="Content Placeholder 2"/>
+          <p:cNvSpPr>
+            <a:spLocks noGrp="1"/>
+          </p:cNvSpPr>
+          <p:nvPr>
+            <p:ph idx="1"/>
+          </p:nvPr>
+        </p:nvSpPr>
+        <p:spPr/>
+        <p:txBody>
+          <a:bodyPr/>
+          <a:lstStyle/>
+          <a:p>
+            <a:r>
+              <a:rPr lang="en-US" dirty="0" err="1"/>
+              <a:t>SQLCop</a:t>
+            </a:r>
+            <a:r>
+              <a:rPr lang="en-US" dirty="0"/>
+              <a:t> (sqlcop.lessthandot.com)</a:t>
+            </a:r>
+          </a:p>
+          <a:p>
+            <a:r>
+              <a:rPr lang="en-US" dirty="0"/>
+              <a:t>Use Extended properties for exceptions</a:t>
+            </a:r>
+          </a:p>
+          <a:p>
+            <a:pPr lvl="1"/>
+            <a:r>
+              <a:rPr lang="en-US" dirty="0"/>
+              <a:t>Could use a table instead (Azure)</a:t>
+            </a:r>
+          </a:p>
+          <a:p>
+            <a:r>
+              <a:rPr lang="en-US" dirty="0"/>
+              <a:t>Limit access to add/change exceptions</a:t>
+            </a:r>
+          </a:p>
+          <a:p>
+            <a:endParaRPr lang="en-US" dirty="0"/>
+          </a:p>
+        </p:txBody>
+      </p:sp>
+    </p:spTree>
+    <p:extLst>
+      <p:ext uri="{BB962C8B-B14F-4D97-AF65-F5344CB8AC3E}">
+        <p14:creationId xmlns:p14="http://schemas.microsoft.com/office/powerpoint/2010/main" val="3923606932"/>
+      </p:ext>
+    </p:extLst>
+  </p:cSld>
+  <p:clrMapOvr>
+    <a:masterClrMapping/>
+  </p:clrMapOvr>
+</p:sld>
+</file>
+
 <file path=ppt/slides/slide7.xml><?xml version="1.0" encoding="utf-8"?>
 <p:sld xmlns:a="http://schemas.openxmlformats.org/drawingml/2006/main" xmlns:r="http://schemas.openxmlformats.org/officeDocument/2006/relationships" xmlns:p="http://schemas.openxmlformats.org/presentationml/2006/main">
   <p:cSld>
@@ -5551,7 +6093,7 @@
       </p:grpSpPr>
       <p:sp>
         <p:nvSpPr>
-          <p:cNvPr id="2" name="Title 1"/>
+          <p:cNvPr id="4" name="Title 3"/>
           <p:cNvSpPr>
             <a:spLocks noGrp="1"/>
           </p:cNvSpPr>
@@ -5566,19 +6108,19 @@
           <a:p>
             <a:r>
               <a:rPr lang="en-US" dirty="0"/>
-              <a:t>References</a:t>
-            </a:r>
-          </a:p>
-        </p:txBody>
-      </p:sp>
-      <p:sp>
-        <p:nvSpPr>
-          <p:cNvPr id="3" name="Content Placeholder 2"/>
-          <p:cNvSpPr>
-            <a:spLocks noGrp="1"/>
-          </p:cNvSpPr>
-          <p:nvPr>
-            <p:ph idx="1"/>
+              <a:t>Demo</a:t>
+            </a:r>
+          </a:p>
+        </p:txBody>
+      </p:sp>
+      <p:sp>
+        <p:nvSpPr>
+          <p:cNvPr id="5" name="Text Placeholder 4"/>
+          <p:cNvSpPr>
+            <a:spLocks noGrp="1"/>
+          </p:cNvSpPr>
+          <p:nvPr>
+            <p:ph type="body" idx="1"/>
           </p:nvPr>
         </p:nvSpPr>
         <p:spPr/>
@@ -5586,14 +6128,165 @@
           <a:bodyPr/>
           <a:lstStyle/>
           <a:p>
-            <a:endParaRPr lang="en-US"/>
+            <a:r>
+              <a:rPr lang="en-US" dirty="0"/>
+              <a:t>Standards and Exceptions</a:t>
+            </a:r>
           </a:p>
         </p:txBody>
       </p:sp>
     </p:spTree>
     <p:extLst>
       <p:ext uri="{BB962C8B-B14F-4D97-AF65-F5344CB8AC3E}">
-        <p14:creationId xmlns:p14="http://schemas.microsoft.com/office/powerpoint/2010/main" val="2092509307"/>
+        <p14:creationId xmlns:p14="http://schemas.microsoft.com/office/powerpoint/2010/main" val="3337079814"/>
+      </p:ext>
+    </p:extLst>
+  </p:cSld>
+  <p:clrMapOvr>
+    <a:masterClrMapping/>
+  </p:clrMapOvr>
+</p:sld>
+</file>
+
+<file path=ppt/slides/slide8.xml><?xml version="1.0" encoding="utf-8"?>
+<p:sld xmlns:a="http://schemas.openxmlformats.org/drawingml/2006/main" xmlns:r="http://schemas.openxmlformats.org/officeDocument/2006/relationships" xmlns:p="http://schemas.openxmlformats.org/presentationml/2006/main">
+  <p:cSld>
+    <p:spTree>
+      <p:nvGrpSpPr>
+        <p:cNvPr id="1" name=""/>
+        <p:cNvGrpSpPr/>
+        <p:nvPr/>
+      </p:nvGrpSpPr>
+      <p:grpSpPr>
+        <a:xfrm>
+          <a:off x="0" y="0"/>
+          <a:ext cx="0" cy="0"/>
+          <a:chOff x="0" y="0"/>
+          <a:chExt cx="0" cy="0"/>
+        </a:xfrm>
+      </p:grpSpPr>
+      <p:sp>
+        <p:nvSpPr>
+          <p:cNvPr id="4" name="Title 3"/>
+          <p:cNvSpPr>
+            <a:spLocks noGrp="1"/>
+          </p:cNvSpPr>
+          <p:nvPr>
+            <p:ph type="title"/>
+          </p:nvPr>
+        </p:nvSpPr>
+        <p:spPr/>
+        <p:txBody>
+          <a:bodyPr/>
+          <a:lstStyle/>
+          <a:p>
+            <a:r>
+              <a:rPr lang="en-US" dirty="0"/>
+              <a:t>Demo</a:t>
+            </a:r>
+          </a:p>
+        </p:txBody>
+      </p:sp>
+      <p:sp>
+        <p:nvSpPr>
+          <p:cNvPr id="5" name="Text Placeholder 4"/>
+          <p:cNvSpPr>
+            <a:spLocks noGrp="1"/>
+          </p:cNvSpPr>
+          <p:nvPr>
+            <p:ph type="body" idx="1"/>
+          </p:nvPr>
+        </p:nvSpPr>
+        <p:spPr/>
+        <p:txBody>
+          <a:bodyPr/>
+          <a:lstStyle/>
+          <a:p>
+            <a:r>
+              <a:rPr lang="en-US" dirty="0"/>
+              <a:t>Stopping ALTER TABLE</a:t>
+            </a:r>
+          </a:p>
+        </p:txBody>
+      </p:sp>
+    </p:spTree>
+    <p:extLst>
+      <p:ext uri="{BB962C8B-B14F-4D97-AF65-F5344CB8AC3E}">
+        <p14:creationId xmlns:p14="http://schemas.microsoft.com/office/powerpoint/2010/main" val="1665435302"/>
+      </p:ext>
+    </p:extLst>
+  </p:cSld>
+  <p:clrMapOvr>
+    <a:masterClrMapping/>
+  </p:clrMapOvr>
+</p:sld>
+</file>
+
+<file path=ppt/slides/slide9.xml><?xml version="1.0" encoding="utf-8"?>
+<p:sld xmlns:a="http://schemas.openxmlformats.org/drawingml/2006/main" xmlns:r="http://schemas.openxmlformats.org/officeDocument/2006/relationships" xmlns:p="http://schemas.openxmlformats.org/presentationml/2006/main">
+  <p:cSld>
+    <p:spTree>
+      <p:nvGrpSpPr>
+        <p:cNvPr id="1" name=""/>
+        <p:cNvGrpSpPr/>
+        <p:nvPr/>
+      </p:nvGrpSpPr>
+      <p:grpSpPr>
+        <a:xfrm>
+          <a:off x="0" y="0"/>
+          <a:ext cx="0" cy="0"/>
+          <a:chOff x="0" y="0"/>
+          <a:chExt cx="0" cy="0"/>
+        </a:xfrm>
+      </p:grpSpPr>
+      <p:sp>
+        <p:nvSpPr>
+          <p:cNvPr id="4" name="Title 3"/>
+          <p:cNvSpPr>
+            <a:spLocks noGrp="1"/>
+          </p:cNvSpPr>
+          <p:nvPr>
+            <p:ph type="title"/>
+          </p:nvPr>
+        </p:nvSpPr>
+        <p:spPr/>
+        <p:txBody>
+          <a:bodyPr/>
+          <a:lstStyle/>
+          <a:p>
+            <a:r>
+              <a:rPr lang="en-US" dirty="0"/>
+              <a:t>Demo</a:t>
+            </a:r>
+          </a:p>
+        </p:txBody>
+      </p:sp>
+      <p:sp>
+        <p:nvSpPr>
+          <p:cNvPr id="5" name="Text Placeholder 4"/>
+          <p:cNvSpPr>
+            <a:spLocks noGrp="1"/>
+          </p:cNvSpPr>
+          <p:nvPr>
+            <p:ph type="body" idx="1"/>
+          </p:nvPr>
+        </p:nvSpPr>
+        <p:spPr/>
+        <p:txBody>
+          <a:bodyPr/>
+          <a:lstStyle/>
+          <a:p>
+            <a:r>
+              <a:rPr lang="en-US" dirty="0"/>
+              <a:t>Checking Joins</a:t>
+            </a:r>
+          </a:p>
+        </p:txBody>
+      </p:sp>
+    </p:spTree>
+    <p:extLst>
+      <p:ext uri="{BB962C8B-B14F-4D97-AF65-F5344CB8AC3E}">
+        <p14:creationId xmlns:p14="http://schemas.microsoft.com/office/powerpoint/2010/main" val="1112910982"/>
       </p:ext>
     </p:extLst>
   </p:cSld>

--- a/TestingT-SQLMadeEasy.pptx
+++ b/TestingT-SQLMadeEasy.pptx
@@ -5,7 +5,7 @@
     <p:sldMasterId id="2147483648" r:id="rId1"/>
   </p:sldMasterIdLst>
   <p:notesMasterIdLst>
-    <p:notesMasterId r:id="rId17"/>
+    <p:notesMasterId r:id="rId22"/>
   </p:notesMasterIdLst>
   <p:sldIdLst>
     <p:sldId id="256" r:id="rId2"/>
@@ -15,14 +15,19 @@
     <p:sldId id="265" r:id="rId6"/>
     <p:sldId id="264" r:id="rId7"/>
     <p:sldId id="266" r:id="rId8"/>
-    <p:sldId id="267" r:id="rId9"/>
-    <p:sldId id="268" r:id="rId10"/>
-    <p:sldId id="269" r:id="rId11"/>
-    <p:sldId id="271" r:id="rId12"/>
-    <p:sldId id="270" r:id="rId13"/>
-    <p:sldId id="262" r:id="rId14"/>
-    <p:sldId id="263" r:id="rId15"/>
-    <p:sldId id="257" r:id="rId16"/>
+    <p:sldId id="272" r:id="rId9"/>
+    <p:sldId id="267" r:id="rId10"/>
+    <p:sldId id="273" r:id="rId11"/>
+    <p:sldId id="268" r:id="rId12"/>
+    <p:sldId id="274" r:id="rId13"/>
+    <p:sldId id="269" r:id="rId14"/>
+    <p:sldId id="275" r:id="rId15"/>
+    <p:sldId id="271" r:id="rId16"/>
+    <p:sldId id="276" r:id="rId17"/>
+    <p:sldId id="270" r:id="rId18"/>
+    <p:sldId id="262" r:id="rId19"/>
+    <p:sldId id="263" r:id="rId20"/>
+    <p:sldId id="257" r:id="rId21"/>
   </p:sldIdLst>
   <p:sldSz cx="9144000" cy="6858000" type="screen4x3"/>
   <p:notesSz cx="6858000" cy="9144000"/>
@@ -222,7 +227,7 @@
           <a:p>
             <a:fld id="{45C7EBF0-803C-4B76-9D07-56FBE9171A73}" type="datetimeFigureOut">
               <a:rPr lang="en-US" smtClean="0"/>
-              <a:t>4/24/2016</a:t>
+              <a:t>4/28/2016</a:t>
             </a:fld>
             <a:endParaRPr lang="en-US"/>
           </a:p>
@@ -758,6 +763,94 @@
 </p:notes>
 </file>
 
+<file path=ppt/notesSlides/notesSlide2.xml><?xml version="1.0" encoding="utf-8"?>
+<p:notes xmlns:a="http://schemas.openxmlformats.org/drawingml/2006/main" xmlns:r="http://schemas.openxmlformats.org/officeDocument/2006/relationships" xmlns:p="http://schemas.openxmlformats.org/presentationml/2006/main">
+  <p:cSld>
+    <p:spTree>
+      <p:nvGrpSpPr>
+        <p:cNvPr id="1" name=""/>
+        <p:cNvGrpSpPr/>
+        <p:nvPr/>
+      </p:nvGrpSpPr>
+      <p:grpSpPr>
+        <a:xfrm>
+          <a:off x="0" y="0"/>
+          <a:ext cx="0" cy="0"/>
+          <a:chOff x="0" y="0"/>
+          <a:chExt cx="0" cy="0"/>
+        </a:xfrm>
+      </p:grpSpPr>
+      <p:sp>
+        <p:nvSpPr>
+          <p:cNvPr id="2" name="Slide Image Placeholder 1"/>
+          <p:cNvSpPr>
+            <a:spLocks noGrp="1" noRot="1" noChangeAspect="1"/>
+          </p:cNvSpPr>
+          <p:nvPr>
+            <p:ph type="sldImg"/>
+          </p:nvPr>
+        </p:nvSpPr>
+        <p:spPr/>
+      </p:sp>
+      <p:sp>
+        <p:nvSpPr>
+          <p:cNvPr id="3" name="Notes Placeholder 2"/>
+          <p:cNvSpPr>
+            <a:spLocks noGrp="1"/>
+          </p:cNvSpPr>
+          <p:nvPr>
+            <p:ph type="body" idx="1"/>
+          </p:nvPr>
+        </p:nvSpPr>
+        <p:spPr/>
+        <p:txBody>
+          <a:bodyPr/>
+          <a:lstStyle/>
+          <a:p>
+            <a:r>
+              <a:rPr lang="en-US" dirty="0" smtClean="0"/>
+              <a:t>https://s-media-cache-ak0.pinimg.com/736x/2e/93/1e/2e931ec9f055c57863c89c7d221dd8ad.jpg</a:t>
+            </a:r>
+            <a:endParaRPr lang="en-US" dirty="0"/>
+          </a:p>
+        </p:txBody>
+      </p:sp>
+      <p:sp>
+        <p:nvSpPr>
+          <p:cNvPr id="4" name="Slide Number Placeholder 3"/>
+          <p:cNvSpPr>
+            <a:spLocks noGrp="1"/>
+          </p:cNvSpPr>
+          <p:nvPr>
+            <p:ph type="sldNum" sz="quarter" idx="10"/>
+          </p:nvPr>
+        </p:nvSpPr>
+        <p:spPr/>
+        <p:txBody>
+          <a:bodyPr/>
+          <a:lstStyle/>
+          <a:p>
+            <a:fld id="{7A5225B9-E196-4FDE-87C0-109C6BD01523}" type="slidenum">
+              <a:rPr lang="en-US" smtClean="0"/>
+              <a:t>12</a:t>
+            </a:fld>
+            <a:endParaRPr lang="en-US"/>
+          </a:p>
+        </p:txBody>
+      </p:sp>
+    </p:spTree>
+    <p:extLst>
+      <p:ext uri="{BB962C8B-B14F-4D97-AF65-F5344CB8AC3E}">
+        <p14:creationId xmlns:p14="http://schemas.microsoft.com/office/powerpoint/2010/main" val="194029522"/>
+      </p:ext>
+    </p:extLst>
+  </p:cSld>
+  <p:clrMapOvr>
+    <a:masterClrMapping/>
+  </p:clrMapOvr>
+</p:notes>
+</file>
+
 <file path=ppt/slideLayouts/slideLayout1.xml><?xml version="1.0" encoding="utf-8"?>
 <p:sldLayout xmlns:a="http://schemas.openxmlformats.org/drawingml/2006/main" xmlns:r="http://schemas.openxmlformats.org/officeDocument/2006/relationships" xmlns:p="http://schemas.openxmlformats.org/presentationml/2006/main" type="title" preserve="1">
   <p:cSld name="Title Slide">
@@ -938,7 +1031,7 @@
             <a:fld id="{1D8BD707-D9CF-40AE-B4C6-C98DA3205C09}" type="datetimeFigureOut">
               <a:rPr lang="en-US" smtClean="0"/>
               <a:pPr/>
-              <a:t>4/24/2016</a:t>
+              <a:t>4/28/2016</a:t>
             </a:fld>
             <a:endParaRPr lang="en-US"/>
           </a:p>
@@ -1103,7 +1196,7 @@
             <a:fld id="{1D8BD707-D9CF-40AE-B4C6-C98DA3205C09}" type="datetimeFigureOut">
               <a:rPr lang="en-US" smtClean="0"/>
               <a:pPr/>
-              <a:t>4/24/2016</a:t>
+              <a:t>4/28/2016</a:t>
             </a:fld>
             <a:endParaRPr lang="en-US"/>
           </a:p>
@@ -1278,7 +1371,7 @@
             <a:fld id="{1D8BD707-D9CF-40AE-B4C6-C98DA3205C09}" type="datetimeFigureOut">
               <a:rPr lang="en-US" smtClean="0"/>
               <a:pPr/>
-              <a:t>4/24/2016</a:t>
+              <a:t>4/28/2016</a:t>
             </a:fld>
             <a:endParaRPr lang="en-US"/>
           </a:p>
@@ -1443,7 +1536,7 @@
             <a:fld id="{1D8BD707-D9CF-40AE-B4C6-C98DA3205C09}" type="datetimeFigureOut">
               <a:rPr lang="en-US" smtClean="0"/>
               <a:pPr/>
-              <a:t>4/24/2016</a:t>
+              <a:t>4/28/2016</a:t>
             </a:fld>
             <a:endParaRPr lang="en-US"/>
           </a:p>
@@ -1685,7 +1778,7 @@
             <a:fld id="{1D8BD707-D9CF-40AE-B4C6-C98DA3205C09}" type="datetimeFigureOut">
               <a:rPr lang="en-US" smtClean="0"/>
               <a:pPr/>
-              <a:t>4/24/2016</a:t>
+              <a:t>4/28/2016</a:t>
             </a:fld>
             <a:endParaRPr lang="en-US"/>
           </a:p>
@@ -1967,7 +2060,7 @@
             <a:fld id="{1D8BD707-D9CF-40AE-B4C6-C98DA3205C09}" type="datetimeFigureOut">
               <a:rPr lang="en-US" smtClean="0"/>
               <a:pPr/>
-              <a:t>4/24/2016</a:t>
+              <a:t>4/28/2016</a:t>
             </a:fld>
             <a:endParaRPr lang="en-US"/>
           </a:p>
@@ -2383,7 +2476,7 @@
             <a:fld id="{1D8BD707-D9CF-40AE-B4C6-C98DA3205C09}" type="datetimeFigureOut">
               <a:rPr lang="en-US" smtClean="0"/>
               <a:pPr/>
-              <a:t>4/24/2016</a:t>
+              <a:t>4/28/2016</a:t>
             </a:fld>
             <a:endParaRPr lang="en-US"/>
           </a:p>
@@ -2497,7 +2590,7 @@
             <a:fld id="{1D8BD707-D9CF-40AE-B4C6-C98DA3205C09}" type="datetimeFigureOut">
               <a:rPr lang="en-US" smtClean="0"/>
               <a:pPr/>
-              <a:t>4/24/2016</a:t>
+              <a:t>4/28/2016</a:t>
             </a:fld>
             <a:endParaRPr lang="en-US"/>
           </a:p>
@@ -2589,7 +2682,7 @@
             <a:fld id="{1D8BD707-D9CF-40AE-B4C6-C98DA3205C09}" type="datetimeFigureOut">
               <a:rPr lang="en-US" smtClean="0"/>
               <a:pPr/>
-              <a:t>4/24/2016</a:t>
+              <a:t>4/28/2016</a:t>
             </a:fld>
             <a:endParaRPr lang="en-US"/>
           </a:p>
@@ -2861,7 +2954,7 @@
             <a:fld id="{1D8BD707-D9CF-40AE-B4C6-C98DA3205C09}" type="datetimeFigureOut">
               <a:rPr lang="en-US" smtClean="0"/>
               <a:pPr/>
-              <a:t>4/24/2016</a:t>
+              <a:t>4/28/2016</a:t>
             </a:fld>
             <a:endParaRPr lang="en-US"/>
           </a:p>
@@ -3110,7 +3203,7 @@
             <a:fld id="{1D8BD707-D9CF-40AE-B4C6-C98DA3205C09}" type="datetimeFigureOut">
               <a:rPr lang="en-US" smtClean="0"/>
               <a:pPr/>
-              <a:t>4/24/2016</a:t>
+              <a:t>4/28/2016</a:t>
             </a:fld>
             <a:endParaRPr lang="en-US"/>
           </a:p>
@@ -3318,7 +3411,7 @@
             <a:fld id="{1D8BD707-D9CF-40AE-B4C6-C98DA3205C09}" type="datetimeFigureOut">
               <a:rPr lang="en-US" smtClean="0"/>
               <a:pPr/>
-              <a:t>4/24/2016</a:t>
+              <a:t>4/28/2016</a:t>
             </a:fld>
             <a:endParaRPr lang="en-US"/>
           </a:p>
@@ -3835,54 +3928,40 @@
           <a:chExt cx="0" cy="0"/>
         </a:xfrm>
       </p:grpSpPr>
-      <p:sp>
-        <p:nvSpPr>
-          <p:cNvPr id="4" name="Title 3"/>
-          <p:cNvSpPr>
-            <a:spLocks noGrp="1"/>
-          </p:cNvSpPr>
-          <p:nvPr>
-            <p:ph type="title"/>
-          </p:nvPr>
-        </p:nvSpPr>
-        <p:spPr/>
-        <p:txBody>
-          <a:bodyPr/>
-          <a:lstStyle/>
-          <a:p>
-            <a:r>
-              <a:rPr lang="en-US" dirty="0"/>
-              <a:t>Demo</a:t>
-            </a:r>
-          </a:p>
-        </p:txBody>
-      </p:sp>
-      <p:sp>
-        <p:nvSpPr>
-          <p:cNvPr id="5" name="Text Placeholder 4"/>
-          <p:cNvSpPr>
-            <a:spLocks noGrp="1"/>
-          </p:cNvSpPr>
-          <p:nvPr>
-            <p:ph type="body" idx="1"/>
-          </p:nvPr>
-        </p:nvSpPr>
-        <p:spPr/>
-        <p:txBody>
-          <a:bodyPr/>
-          <a:lstStyle/>
-          <a:p>
-            <a:r>
-              <a:rPr lang="en-US" dirty="0"/>
-              <a:t>GETDATE()</a:t>
-            </a:r>
-          </a:p>
-        </p:txBody>
-      </p:sp>
+      <p:pic>
+        <p:nvPicPr>
+          <p:cNvPr id="4" name="Picture 3"/>
+          <p:cNvPicPr>
+            <a:picLocks noChangeAspect="1"/>
+          </p:cNvPicPr>
+          <p:nvPr/>
+        </p:nvPicPr>
+        <p:blipFill>
+          <a:blip r:embed="rId2">
+            <a:extLst>
+              <a:ext uri="{28A0092B-C50C-407E-A947-70E740481C1C}">
+                <a14:useLocalDpi xmlns:a14="http://schemas.microsoft.com/office/drawing/2010/main" val="0"/>
+              </a:ext>
+            </a:extLst>
+          </a:blip>
+          <a:stretch>
+            <a:fillRect/>
+          </a:stretch>
+        </p:blipFill>
+        <p:spPr>
+          <a:xfrm>
+            <a:off x="1752600" y="1447800"/>
+            <a:ext cx="5448300" cy="3962400"/>
+          </a:xfrm>
+          <a:prstGeom prst="rect">
+            <a:avLst/>
+          </a:prstGeom>
+        </p:spPr>
+      </p:pic>
     </p:spTree>
     <p:extLst>
       <p:ext uri="{BB962C8B-B14F-4D97-AF65-F5344CB8AC3E}">
-        <p14:creationId xmlns:p14="http://schemas.microsoft.com/office/powerpoint/2010/main" val="1448552941"/>
+        <p14:creationId xmlns:p14="http://schemas.microsoft.com/office/powerpoint/2010/main" val="2124828705"/>
       </p:ext>
     </p:extLst>
   </p:cSld>
@@ -3948,7 +4027,7 @@
           <a:p>
             <a:r>
               <a:rPr lang="en-US" dirty="0"/>
-              <a:t>Isolating Functions and Procedures</a:t>
+              <a:t>Checking Joins</a:t>
             </a:r>
           </a:p>
         </p:txBody>
@@ -3956,7 +4035,7 @@
     </p:spTree>
     <p:extLst>
       <p:ext uri="{BB962C8B-B14F-4D97-AF65-F5344CB8AC3E}">
-        <p14:creationId xmlns:p14="http://schemas.microsoft.com/office/powerpoint/2010/main" val="259900488"/>
+        <p14:creationId xmlns:p14="http://schemas.microsoft.com/office/powerpoint/2010/main" val="1112910982"/>
       </p:ext>
     </p:extLst>
   </p:cSld>
@@ -3983,54 +4062,40 @@
           <a:chExt cx="0" cy="0"/>
         </a:xfrm>
       </p:grpSpPr>
-      <p:sp>
-        <p:nvSpPr>
-          <p:cNvPr id="4" name="Title 3"/>
-          <p:cNvSpPr>
-            <a:spLocks noGrp="1"/>
-          </p:cNvSpPr>
-          <p:nvPr>
-            <p:ph type="title"/>
-          </p:nvPr>
-        </p:nvSpPr>
-        <p:spPr/>
-        <p:txBody>
-          <a:bodyPr/>
-          <a:lstStyle/>
-          <a:p>
-            <a:r>
-              <a:rPr lang="en-US" dirty="0"/>
-              <a:t>Demo</a:t>
-            </a:r>
-          </a:p>
-        </p:txBody>
-      </p:sp>
-      <p:sp>
-        <p:nvSpPr>
-          <p:cNvPr id="5" name="Text Placeholder 4"/>
-          <p:cNvSpPr>
-            <a:spLocks noGrp="1"/>
-          </p:cNvSpPr>
-          <p:nvPr>
-            <p:ph type="body" idx="1"/>
-          </p:nvPr>
-        </p:nvSpPr>
-        <p:spPr/>
-        <p:txBody>
-          <a:bodyPr/>
-          <a:lstStyle/>
-          <a:p>
-            <a:r>
-              <a:rPr lang="en-US" dirty="0"/>
-              <a:t>Heuristics</a:t>
-            </a:r>
-          </a:p>
-        </p:txBody>
-      </p:sp>
+      <p:pic>
+        <p:nvPicPr>
+          <p:cNvPr id="4" name="Picture 3"/>
+          <p:cNvPicPr>
+            <a:picLocks noChangeAspect="1"/>
+          </p:cNvPicPr>
+          <p:nvPr/>
+        </p:nvPicPr>
+        <p:blipFill>
+          <a:blip r:embed="rId3">
+            <a:extLst>
+              <a:ext uri="{28A0092B-C50C-407E-A947-70E740481C1C}">
+                <a14:useLocalDpi xmlns:a14="http://schemas.microsoft.com/office/drawing/2010/main" val="0"/>
+              </a:ext>
+            </a:extLst>
+          </a:blip>
+          <a:stretch>
+            <a:fillRect/>
+          </a:stretch>
+        </p:blipFill>
+        <p:spPr>
+          <a:xfrm>
+            <a:off x="1905000" y="1447800"/>
+            <a:ext cx="5403809" cy="3657600"/>
+          </a:xfrm>
+          <a:prstGeom prst="rect">
+            <a:avLst/>
+          </a:prstGeom>
+        </p:spPr>
+      </p:pic>
     </p:spTree>
     <p:extLst>
       <p:ext uri="{BB962C8B-B14F-4D97-AF65-F5344CB8AC3E}">
-        <p14:creationId xmlns:p14="http://schemas.microsoft.com/office/powerpoint/2010/main" val="3312720225"/>
+        <p14:creationId xmlns:p14="http://schemas.microsoft.com/office/powerpoint/2010/main" val="2896046553"/>
       </p:ext>
     </p:extLst>
   </p:cSld>
@@ -4074,6 +4139,402 @@
           <a:p>
             <a:r>
               <a:rPr lang="en-US" dirty="0"/>
+              <a:t>Demo</a:t>
+            </a:r>
+          </a:p>
+        </p:txBody>
+      </p:sp>
+      <p:sp>
+        <p:nvSpPr>
+          <p:cNvPr id="5" name="Text Placeholder 4"/>
+          <p:cNvSpPr>
+            <a:spLocks noGrp="1"/>
+          </p:cNvSpPr>
+          <p:nvPr>
+            <p:ph type="body" idx="1"/>
+          </p:nvPr>
+        </p:nvSpPr>
+        <p:spPr/>
+        <p:txBody>
+          <a:bodyPr/>
+          <a:lstStyle/>
+          <a:p>
+            <a:r>
+              <a:rPr lang="en-US" dirty="0"/>
+              <a:t>GETDATE()</a:t>
+            </a:r>
+          </a:p>
+        </p:txBody>
+      </p:sp>
+    </p:spTree>
+    <p:extLst>
+      <p:ext uri="{BB962C8B-B14F-4D97-AF65-F5344CB8AC3E}">
+        <p14:creationId xmlns:p14="http://schemas.microsoft.com/office/powerpoint/2010/main" val="1448552941"/>
+      </p:ext>
+    </p:extLst>
+  </p:cSld>
+  <p:clrMapOvr>
+    <a:masterClrMapping/>
+  </p:clrMapOvr>
+</p:sld>
+</file>
+
+<file path=ppt/slides/slide14.xml><?xml version="1.0" encoding="utf-8"?>
+<p:sld xmlns:a="http://schemas.openxmlformats.org/drawingml/2006/main" xmlns:r="http://schemas.openxmlformats.org/officeDocument/2006/relationships" xmlns:p="http://schemas.openxmlformats.org/presentationml/2006/main">
+  <p:cSld>
+    <p:spTree>
+      <p:nvGrpSpPr>
+        <p:cNvPr id="1" name=""/>
+        <p:cNvGrpSpPr/>
+        <p:nvPr/>
+      </p:nvGrpSpPr>
+      <p:grpSpPr>
+        <a:xfrm>
+          <a:off x="0" y="0"/>
+          <a:ext cx="0" cy="0"/>
+          <a:chOff x="0" y="0"/>
+          <a:chExt cx="0" cy="0"/>
+        </a:xfrm>
+      </p:grpSpPr>
+      <p:sp>
+        <p:nvSpPr>
+          <p:cNvPr id="4" name="Title 3"/>
+          <p:cNvSpPr>
+            <a:spLocks noGrp="1"/>
+          </p:cNvSpPr>
+          <p:nvPr>
+            <p:ph type="title"/>
+          </p:nvPr>
+        </p:nvSpPr>
+        <p:spPr/>
+        <p:txBody>
+          <a:bodyPr/>
+          <a:lstStyle/>
+          <a:p>
+            <a:r>
+              <a:rPr lang="en-US" dirty="0" smtClean="0"/>
+              <a:t>Isolating Code</a:t>
+            </a:r>
+            <a:endParaRPr lang="en-US" dirty="0"/>
+          </a:p>
+        </p:txBody>
+      </p:sp>
+      <p:sp>
+        <p:nvSpPr>
+          <p:cNvPr id="5" name="Content Placeholder 4"/>
+          <p:cNvSpPr>
+            <a:spLocks noGrp="1"/>
+          </p:cNvSpPr>
+          <p:nvPr>
+            <p:ph idx="1"/>
+          </p:nvPr>
+        </p:nvSpPr>
+        <p:spPr/>
+        <p:txBody>
+          <a:bodyPr/>
+          <a:lstStyle/>
+          <a:p>
+            <a:r>
+              <a:rPr lang="en-US" dirty="0" smtClean="0"/>
+              <a:t>We don’t want our tests to depend on more than one module of code.</a:t>
+            </a:r>
+          </a:p>
+          <a:p>
+            <a:r>
+              <a:rPr lang="en-US" dirty="0" smtClean="0"/>
+              <a:t>Dependencies can cause complexities in debugging and </a:t>
+            </a:r>
+            <a:r>
+              <a:rPr lang="en-US" smtClean="0"/>
+              <a:t>testing.</a:t>
+            </a:r>
+            <a:endParaRPr lang="en-US"/>
+          </a:p>
+        </p:txBody>
+      </p:sp>
+    </p:spTree>
+    <p:extLst>
+      <p:ext uri="{BB962C8B-B14F-4D97-AF65-F5344CB8AC3E}">
+        <p14:creationId xmlns:p14="http://schemas.microsoft.com/office/powerpoint/2010/main" val="4211305238"/>
+      </p:ext>
+    </p:extLst>
+  </p:cSld>
+  <p:clrMapOvr>
+    <a:masterClrMapping/>
+  </p:clrMapOvr>
+</p:sld>
+</file>
+
+<file path=ppt/slides/slide15.xml><?xml version="1.0" encoding="utf-8"?>
+<p:sld xmlns:a="http://schemas.openxmlformats.org/drawingml/2006/main" xmlns:r="http://schemas.openxmlformats.org/officeDocument/2006/relationships" xmlns:p="http://schemas.openxmlformats.org/presentationml/2006/main">
+  <p:cSld>
+    <p:spTree>
+      <p:nvGrpSpPr>
+        <p:cNvPr id="1" name=""/>
+        <p:cNvGrpSpPr/>
+        <p:nvPr/>
+      </p:nvGrpSpPr>
+      <p:grpSpPr>
+        <a:xfrm>
+          <a:off x="0" y="0"/>
+          <a:ext cx="0" cy="0"/>
+          <a:chOff x="0" y="0"/>
+          <a:chExt cx="0" cy="0"/>
+        </a:xfrm>
+      </p:grpSpPr>
+      <p:sp>
+        <p:nvSpPr>
+          <p:cNvPr id="4" name="Title 3"/>
+          <p:cNvSpPr>
+            <a:spLocks noGrp="1"/>
+          </p:cNvSpPr>
+          <p:nvPr>
+            <p:ph type="title"/>
+          </p:nvPr>
+        </p:nvSpPr>
+        <p:spPr/>
+        <p:txBody>
+          <a:bodyPr/>
+          <a:lstStyle/>
+          <a:p>
+            <a:r>
+              <a:rPr lang="en-US" dirty="0"/>
+              <a:t>Demo</a:t>
+            </a:r>
+          </a:p>
+        </p:txBody>
+      </p:sp>
+      <p:sp>
+        <p:nvSpPr>
+          <p:cNvPr id="5" name="Text Placeholder 4"/>
+          <p:cNvSpPr>
+            <a:spLocks noGrp="1"/>
+          </p:cNvSpPr>
+          <p:nvPr>
+            <p:ph type="body" idx="1"/>
+          </p:nvPr>
+        </p:nvSpPr>
+        <p:spPr/>
+        <p:txBody>
+          <a:bodyPr/>
+          <a:lstStyle/>
+          <a:p>
+            <a:r>
+              <a:rPr lang="en-US" dirty="0"/>
+              <a:t>Isolating Functions and Procedures</a:t>
+            </a:r>
+          </a:p>
+        </p:txBody>
+      </p:sp>
+    </p:spTree>
+    <p:extLst>
+      <p:ext uri="{BB962C8B-B14F-4D97-AF65-F5344CB8AC3E}">
+        <p14:creationId xmlns:p14="http://schemas.microsoft.com/office/powerpoint/2010/main" val="259900488"/>
+      </p:ext>
+    </p:extLst>
+  </p:cSld>
+  <p:clrMapOvr>
+    <a:masterClrMapping/>
+  </p:clrMapOvr>
+</p:sld>
+</file>
+
+<file path=ppt/slides/slide16.xml><?xml version="1.0" encoding="utf-8"?>
+<p:sld xmlns:a="http://schemas.openxmlformats.org/drawingml/2006/main" xmlns:r="http://schemas.openxmlformats.org/officeDocument/2006/relationships" xmlns:p="http://schemas.openxmlformats.org/presentationml/2006/main">
+  <p:cSld>
+    <p:spTree>
+      <p:nvGrpSpPr>
+        <p:cNvPr id="1" name=""/>
+        <p:cNvGrpSpPr/>
+        <p:nvPr/>
+      </p:nvGrpSpPr>
+      <p:grpSpPr>
+        <a:xfrm>
+          <a:off x="0" y="0"/>
+          <a:ext cx="0" cy="0"/>
+          <a:chOff x="0" y="0"/>
+          <a:chExt cx="0" cy="0"/>
+        </a:xfrm>
+      </p:grpSpPr>
+      <p:sp>
+        <p:nvSpPr>
+          <p:cNvPr id="4" name="Title 3"/>
+          <p:cNvSpPr>
+            <a:spLocks noGrp="1"/>
+          </p:cNvSpPr>
+          <p:nvPr>
+            <p:ph type="title"/>
+          </p:nvPr>
+        </p:nvSpPr>
+        <p:spPr/>
+        <p:txBody>
+          <a:bodyPr/>
+          <a:lstStyle/>
+          <a:p>
+            <a:r>
+              <a:rPr lang="en-US" dirty="0" smtClean="0"/>
+              <a:t>Heuristics</a:t>
+            </a:r>
+            <a:endParaRPr lang="en-US" dirty="0"/>
+          </a:p>
+        </p:txBody>
+      </p:sp>
+      <p:sp>
+        <p:nvSpPr>
+          <p:cNvPr id="5" name="Content Placeholder 4"/>
+          <p:cNvSpPr>
+            <a:spLocks noGrp="1"/>
+          </p:cNvSpPr>
+          <p:nvPr>
+            <p:ph idx="1"/>
+          </p:nvPr>
+        </p:nvSpPr>
+        <p:spPr/>
+        <p:txBody>
+          <a:bodyPr/>
+          <a:lstStyle/>
+          <a:p>
+            <a:r>
+              <a:rPr lang="en-US" dirty="0" smtClean="0"/>
+              <a:t>Boundaries</a:t>
+            </a:r>
+          </a:p>
+          <a:p>
+            <a:r>
+              <a:rPr lang="en-US" dirty="0" smtClean="0"/>
+              <a:t>Buckets</a:t>
+            </a:r>
+          </a:p>
+          <a:p>
+            <a:r>
+              <a:rPr lang="en-US" smtClean="0"/>
+              <a:t>Various cases</a:t>
+            </a:r>
+            <a:endParaRPr lang="en-US"/>
+          </a:p>
+        </p:txBody>
+      </p:sp>
+    </p:spTree>
+    <p:extLst>
+      <p:ext uri="{BB962C8B-B14F-4D97-AF65-F5344CB8AC3E}">
+        <p14:creationId xmlns:p14="http://schemas.microsoft.com/office/powerpoint/2010/main" val="510018384"/>
+      </p:ext>
+    </p:extLst>
+  </p:cSld>
+  <p:clrMapOvr>
+    <a:masterClrMapping/>
+  </p:clrMapOvr>
+</p:sld>
+</file>
+
+<file path=ppt/slides/slide17.xml><?xml version="1.0" encoding="utf-8"?>
+<p:sld xmlns:a="http://schemas.openxmlformats.org/drawingml/2006/main" xmlns:r="http://schemas.openxmlformats.org/officeDocument/2006/relationships" xmlns:p="http://schemas.openxmlformats.org/presentationml/2006/main">
+  <p:cSld>
+    <p:spTree>
+      <p:nvGrpSpPr>
+        <p:cNvPr id="1" name=""/>
+        <p:cNvGrpSpPr/>
+        <p:nvPr/>
+      </p:nvGrpSpPr>
+      <p:grpSpPr>
+        <a:xfrm>
+          <a:off x="0" y="0"/>
+          <a:ext cx="0" cy="0"/>
+          <a:chOff x="0" y="0"/>
+          <a:chExt cx="0" cy="0"/>
+        </a:xfrm>
+      </p:grpSpPr>
+      <p:sp>
+        <p:nvSpPr>
+          <p:cNvPr id="4" name="Title 3"/>
+          <p:cNvSpPr>
+            <a:spLocks noGrp="1"/>
+          </p:cNvSpPr>
+          <p:nvPr>
+            <p:ph type="title"/>
+          </p:nvPr>
+        </p:nvSpPr>
+        <p:spPr/>
+        <p:txBody>
+          <a:bodyPr/>
+          <a:lstStyle/>
+          <a:p>
+            <a:r>
+              <a:rPr lang="en-US" dirty="0"/>
+              <a:t>Demo</a:t>
+            </a:r>
+          </a:p>
+        </p:txBody>
+      </p:sp>
+      <p:sp>
+        <p:nvSpPr>
+          <p:cNvPr id="5" name="Text Placeholder 4"/>
+          <p:cNvSpPr>
+            <a:spLocks noGrp="1"/>
+          </p:cNvSpPr>
+          <p:nvPr>
+            <p:ph type="body" idx="1"/>
+          </p:nvPr>
+        </p:nvSpPr>
+        <p:spPr/>
+        <p:txBody>
+          <a:bodyPr/>
+          <a:lstStyle/>
+          <a:p>
+            <a:r>
+              <a:rPr lang="en-US" dirty="0"/>
+              <a:t>Heuristics</a:t>
+            </a:r>
+          </a:p>
+        </p:txBody>
+      </p:sp>
+    </p:spTree>
+    <p:extLst>
+      <p:ext uri="{BB962C8B-B14F-4D97-AF65-F5344CB8AC3E}">
+        <p14:creationId xmlns:p14="http://schemas.microsoft.com/office/powerpoint/2010/main" val="3312720225"/>
+      </p:ext>
+    </p:extLst>
+  </p:cSld>
+  <p:clrMapOvr>
+    <a:masterClrMapping/>
+  </p:clrMapOvr>
+</p:sld>
+</file>
+
+<file path=ppt/slides/slide18.xml><?xml version="1.0" encoding="utf-8"?>
+<p:sld xmlns:a="http://schemas.openxmlformats.org/drawingml/2006/main" xmlns:r="http://schemas.openxmlformats.org/officeDocument/2006/relationships" xmlns:p="http://schemas.openxmlformats.org/presentationml/2006/main">
+  <p:cSld>
+    <p:spTree>
+      <p:nvGrpSpPr>
+        <p:cNvPr id="1" name=""/>
+        <p:cNvGrpSpPr/>
+        <p:nvPr/>
+      </p:nvGrpSpPr>
+      <p:grpSpPr>
+        <a:xfrm>
+          <a:off x="0" y="0"/>
+          <a:ext cx="0" cy="0"/>
+          <a:chOff x="0" y="0"/>
+          <a:chExt cx="0" cy="0"/>
+        </a:xfrm>
+      </p:grpSpPr>
+      <p:sp>
+        <p:nvSpPr>
+          <p:cNvPr id="4" name="Title 3"/>
+          <p:cNvSpPr>
+            <a:spLocks noGrp="1"/>
+          </p:cNvSpPr>
+          <p:nvPr>
+            <p:ph type="title"/>
+          </p:nvPr>
+        </p:nvSpPr>
+        <p:spPr/>
+        <p:txBody>
+          <a:bodyPr/>
+          <a:lstStyle/>
+          <a:p>
+            <a:r>
+              <a:rPr lang="en-US" dirty="0"/>
               <a:t>Summary</a:t>
             </a:r>
           </a:p>
@@ -4111,7 +4572,7 @@
 </p:sld>
 </file>
 
-<file path=ppt/slides/slide14.xml><?xml version="1.0" encoding="utf-8"?>
+<file path=ppt/slides/slide19.xml><?xml version="1.0" encoding="utf-8"?>
 <p:sld xmlns:a="http://schemas.openxmlformats.org/drawingml/2006/main" xmlns:r="http://schemas.openxmlformats.org/officeDocument/2006/relationships" xmlns:p="http://schemas.openxmlformats.org/presentationml/2006/main">
   <p:cSld>
     <p:spTree>
@@ -4675,77 +5136,6 @@
 </p:sld>
 </file>
 
-<file path=ppt/slides/slide15.xml><?xml version="1.0" encoding="utf-8"?>
-<p:sld xmlns:a="http://schemas.openxmlformats.org/drawingml/2006/main" xmlns:r="http://schemas.openxmlformats.org/officeDocument/2006/relationships" xmlns:p="http://schemas.openxmlformats.org/presentationml/2006/main">
-  <p:cSld>
-    <p:spTree>
-      <p:nvGrpSpPr>
-        <p:cNvPr id="1" name=""/>
-        <p:cNvGrpSpPr/>
-        <p:nvPr/>
-      </p:nvGrpSpPr>
-      <p:grpSpPr>
-        <a:xfrm>
-          <a:off x="0" y="0"/>
-          <a:ext cx="0" cy="0"/>
-          <a:chOff x="0" y="0"/>
-          <a:chExt cx="0" cy="0"/>
-        </a:xfrm>
-      </p:grpSpPr>
-      <p:sp>
-        <p:nvSpPr>
-          <p:cNvPr id="2" name="Title 1"/>
-          <p:cNvSpPr>
-            <a:spLocks noGrp="1"/>
-          </p:cNvSpPr>
-          <p:nvPr>
-            <p:ph type="title"/>
-          </p:nvPr>
-        </p:nvSpPr>
-        <p:spPr/>
-        <p:txBody>
-          <a:bodyPr/>
-          <a:lstStyle/>
-          <a:p>
-            <a:r>
-              <a:rPr lang="en-US" dirty="0"/>
-              <a:t>References</a:t>
-            </a:r>
-          </a:p>
-        </p:txBody>
-      </p:sp>
-      <p:sp>
-        <p:nvSpPr>
-          <p:cNvPr id="3" name="Content Placeholder 2"/>
-          <p:cNvSpPr>
-            <a:spLocks noGrp="1"/>
-          </p:cNvSpPr>
-          <p:nvPr>
-            <p:ph idx="1"/>
-          </p:nvPr>
-        </p:nvSpPr>
-        <p:spPr/>
-        <p:txBody>
-          <a:bodyPr/>
-          <a:lstStyle/>
-          <a:p>
-            <a:endParaRPr lang="en-US"/>
-          </a:p>
-        </p:txBody>
-      </p:sp>
-    </p:spTree>
-    <p:extLst>
-      <p:ext uri="{BB962C8B-B14F-4D97-AF65-F5344CB8AC3E}">
-        <p14:creationId xmlns:p14="http://schemas.microsoft.com/office/powerpoint/2010/main" val="2092509307"/>
-      </p:ext>
-    </p:extLst>
-  </p:cSld>
-  <p:clrMapOvr>
-    <a:masterClrMapping/>
-  </p:clrMapOvr>
-</p:sld>
-</file>
-
 <file path=ppt/slides/slide2.xml><?xml version="1.0" encoding="utf-8"?>
 <p:sld xmlns:a="http://schemas.openxmlformats.org/drawingml/2006/main" xmlns:r="http://schemas.openxmlformats.org/officeDocument/2006/relationships" xmlns:p="http://schemas.openxmlformats.org/presentationml/2006/main">
   <p:cSld>
@@ -4859,6 +5249,77 @@
     <p:extLst>
       <p:ext uri="{BB962C8B-B14F-4D97-AF65-F5344CB8AC3E}">
         <p14:creationId xmlns:p14="http://schemas.microsoft.com/office/powerpoint/2010/main" val="2639831237"/>
+      </p:ext>
+    </p:extLst>
+  </p:cSld>
+  <p:clrMapOvr>
+    <a:masterClrMapping/>
+  </p:clrMapOvr>
+</p:sld>
+</file>
+
+<file path=ppt/slides/slide20.xml><?xml version="1.0" encoding="utf-8"?>
+<p:sld xmlns:a="http://schemas.openxmlformats.org/drawingml/2006/main" xmlns:r="http://schemas.openxmlformats.org/officeDocument/2006/relationships" xmlns:p="http://schemas.openxmlformats.org/presentationml/2006/main">
+  <p:cSld>
+    <p:spTree>
+      <p:nvGrpSpPr>
+        <p:cNvPr id="1" name=""/>
+        <p:cNvGrpSpPr/>
+        <p:nvPr/>
+      </p:nvGrpSpPr>
+      <p:grpSpPr>
+        <a:xfrm>
+          <a:off x="0" y="0"/>
+          <a:ext cx="0" cy="0"/>
+          <a:chOff x="0" y="0"/>
+          <a:chExt cx="0" cy="0"/>
+        </a:xfrm>
+      </p:grpSpPr>
+      <p:sp>
+        <p:nvSpPr>
+          <p:cNvPr id="2" name="Title 1"/>
+          <p:cNvSpPr>
+            <a:spLocks noGrp="1"/>
+          </p:cNvSpPr>
+          <p:nvPr>
+            <p:ph type="title"/>
+          </p:nvPr>
+        </p:nvSpPr>
+        <p:spPr/>
+        <p:txBody>
+          <a:bodyPr/>
+          <a:lstStyle/>
+          <a:p>
+            <a:r>
+              <a:rPr lang="en-US" dirty="0"/>
+              <a:t>References</a:t>
+            </a:r>
+          </a:p>
+        </p:txBody>
+      </p:sp>
+      <p:sp>
+        <p:nvSpPr>
+          <p:cNvPr id="3" name="Content Placeholder 2"/>
+          <p:cNvSpPr>
+            <a:spLocks noGrp="1"/>
+          </p:cNvSpPr>
+          <p:nvPr>
+            <p:ph idx="1"/>
+          </p:nvPr>
+        </p:nvSpPr>
+        <p:spPr/>
+        <p:txBody>
+          <a:bodyPr/>
+          <a:lstStyle/>
+          <a:p>
+            <a:endParaRPr lang="en-US"/>
+          </a:p>
+        </p:txBody>
+      </p:sp>
+    </p:spTree>
+    <p:extLst>
+      <p:ext uri="{BB962C8B-B14F-4D97-AF65-F5344CB8AC3E}">
+        <p14:creationId xmlns:p14="http://schemas.microsoft.com/office/powerpoint/2010/main" val="2092509307"/>
       </p:ext>
     </p:extLst>
   </p:cSld>
@@ -6181,38 +6642,52 @@
           <a:lstStyle/>
           <a:p>
             <a:r>
-              <a:rPr lang="en-US" dirty="0"/>
-              <a:t>Demo</a:t>
-            </a:r>
-          </a:p>
-        </p:txBody>
-      </p:sp>
-      <p:sp>
-        <p:nvSpPr>
-          <p:cNvPr id="5" name="Text Placeholder 4"/>
-          <p:cNvSpPr>
-            <a:spLocks noGrp="1"/>
-          </p:cNvSpPr>
-          <p:nvPr>
-            <p:ph type="body" idx="1"/>
-          </p:nvPr>
-        </p:nvSpPr>
-        <p:spPr/>
-        <p:txBody>
-          <a:bodyPr/>
-          <a:lstStyle/>
-          <a:p>
-            <a:r>
-              <a:rPr lang="en-US" dirty="0"/>
-              <a:t>Stopping ALTER TABLE</a:t>
-            </a:r>
+              <a:rPr lang="en-US" dirty="0" smtClean="0"/>
+              <a:t>Large Table Changes</a:t>
+            </a:r>
+            <a:endParaRPr lang="en-US" dirty="0"/>
+          </a:p>
+        </p:txBody>
+      </p:sp>
+      <p:sp>
+        <p:nvSpPr>
+          <p:cNvPr id="5" name="Content Placeholder 4"/>
+          <p:cNvSpPr>
+            <a:spLocks noGrp="1"/>
+          </p:cNvSpPr>
+          <p:nvPr>
+            <p:ph idx="1"/>
+          </p:nvPr>
+        </p:nvSpPr>
+        <p:spPr/>
+        <p:txBody>
+          <a:bodyPr/>
+          <a:lstStyle/>
+          <a:p>
+            <a:r>
+              <a:rPr lang="en-US" dirty="0" smtClean="0"/>
+              <a:t>There’s no magic in SQL Server</a:t>
+            </a:r>
+          </a:p>
+          <a:p>
+            <a:r>
+              <a:rPr lang="en-US" dirty="0" smtClean="0"/>
+              <a:t>However, there are methods to limit the impact of changes to large tables</a:t>
+            </a:r>
+          </a:p>
+          <a:p>
+            <a:r>
+              <a:rPr lang="en-US" dirty="0" smtClean="0"/>
+              <a:t>Testing is a way to facilitate a discussion</a:t>
+            </a:r>
+            <a:endParaRPr lang="en-US" dirty="0"/>
           </a:p>
         </p:txBody>
       </p:sp>
     </p:spTree>
     <p:extLst>
       <p:ext uri="{BB962C8B-B14F-4D97-AF65-F5344CB8AC3E}">
-        <p14:creationId xmlns:p14="http://schemas.microsoft.com/office/powerpoint/2010/main" val="1665435302"/>
+        <p14:creationId xmlns:p14="http://schemas.microsoft.com/office/powerpoint/2010/main" val="3738751375"/>
       </p:ext>
     </p:extLst>
   </p:cSld>
@@ -6278,7 +6753,7 @@
           <a:p>
             <a:r>
               <a:rPr lang="en-US" dirty="0"/>
-              <a:t>Checking Joins</a:t>
+              <a:t>Stopping ALTER TABLE</a:t>
             </a:r>
           </a:p>
         </p:txBody>
@@ -6286,7 +6761,7 @@
     </p:spTree>
     <p:extLst>
       <p:ext uri="{BB962C8B-B14F-4D97-AF65-F5344CB8AC3E}">
-        <p14:creationId xmlns:p14="http://schemas.microsoft.com/office/powerpoint/2010/main" val="1112910982"/>
+        <p14:creationId xmlns:p14="http://schemas.microsoft.com/office/powerpoint/2010/main" val="1665435302"/>
       </p:ext>
     </p:extLst>
   </p:cSld>

--- a/TestingT-SQLMadeEasy.pptx
+++ b/TestingT-SQLMadeEasy.pptx
@@ -5,7 +5,7 @@
     <p:sldMasterId id="2147483648" r:id="rId1"/>
   </p:sldMasterIdLst>
   <p:notesMasterIdLst>
-    <p:notesMasterId r:id="rId22"/>
+    <p:notesMasterId r:id="rId20"/>
   </p:notesMasterIdLst>
   <p:sldIdLst>
     <p:sldId id="256" r:id="rId2"/>
@@ -22,12 +22,10 @@
     <p:sldId id="274" r:id="rId13"/>
     <p:sldId id="269" r:id="rId14"/>
     <p:sldId id="275" r:id="rId15"/>
-    <p:sldId id="271" r:id="rId16"/>
-    <p:sldId id="276" r:id="rId17"/>
-    <p:sldId id="270" r:id="rId18"/>
-    <p:sldId id="262" r:id="rId19"/>
-    <p:sldId id="263" r:id="rId20"/>
-    <p:sldId id="257" r:id="rId21"/>
+    <p:sldId id="276" r:id="rId16"/>
+    <p:sldId id="270" r:id="rId17"/>
+    <p:sldId id="262" r:id="rId18"/>
+    <p:sldId id="263" r:id="rId19"/>
   </p:sldIdLst>
   <p:sldSz cx="9144000" cy="6858000" type="screen4x3"/>
   <p:notesSz cx="6858000" cy="9144000"/>
@@ -227,7 +225,7 @@
           <a:p>
             <a:fld id="{45C7EBF0-803C-4B76-9D07-56FBE9171A73}" type="datetimeFigureOut">
               <a:rPr lang="en-US" smtClean="0"/>
-              <a:t>4/28/2016</a:t>
+              <a:t>4/29/2016</a:t>
             </a:fld>
             <a:endParaRPr lang="en-US"/>
           </a:p>
@@ -513,6 +511,112 @@
       </p:grpSpPr>
       <p:sp>
         <p:nvSpPr>
+          <p:cNvPr id="2" name="Slide Image Placeholder 1"/>
+          <p:cNvSpPr>
+            <a:spLocks noGrp="1" noRot="1" noChangeAspect="1"/>
+          </p:cNvSpPr>
+          <p:nvPr>
+            <p:ph type="sldImg"/>
+          </p:nvPr>
+        </p:nvSpPr>
+        <p:spPr/>
+      </p:sp>
+      <p:sp>
+        <p:nvSpPr>
+          <p:cNvPr id="3" name="Notes Placeholder 2"/>
+          <p:cNvSpPr>
+            <a:spLocks noGrp="1"/>
+          </p:cNvSpPr>
+          <p:nvPr>
+            <p:ph type="body" idx="1"/>
+          </p:nvPr>
+        </p:nvSpPr>
+        <p:spPr/>
+        <p:txBody>
+          <a:bodyPr/>
+          <a:lstStyle/>
+          <a:p>
+            <a:r>
+              <a:rPr lang="en-US" dirty="0"/>
+              <a:t>Connect to .\SQL2014</a:t>
+            </a:r>
+            <a:r>
+              <a:rPr lang="en-US" baseline="0" dirty="0"/>
+              <a:t> with SSMS</a:t>
+            </a:r>
+          </a:p>
+          <a:p>
+            <a:r>
+              <a:rPr lang="en-US" baseline="0" dirty="0"/>
+              <a:t>Run all 0x files</a:t>
+            </a:r>
+          </a:p>
+          <a:p>
+            <a:r>
+              <a:rPr lang="en-US" baseline="0" dirty="0"/>
+              <a:t>Run SQL Data Generator file</a:t>
+            </a:r>
+          </a:p>
+          <a:p>
+            <a:endParaRPr lang="en-US" dirty="0"/>
+          </a:p>
+        </p:txBody>
+      </p:sp>
+      <p:sp>
+        <p:nvSpPr>
+          <p:cNvPr id="4" name="Slide Number Placeholder 3"/>
+          <p:cNvSpPr>
+            <a:spLocks noGrp="1"/>
+          </p:cNvSpPr>
+          <p:nvPr>
+            <p:ph type="sldNum" sz="quarter" idx="10"/>
+          </p:nvPr>
+        </p:nvSpPr>
+        <p:spPr/>
+        <p:txBody>
+          <a:bodyPr/>
+          <a:lstStyle/>
+          <a:p>
+            <a:fld id="{7A5225B9-E196-4FDE-87C0-109C6BD01523}" type="slidenum">
+              <a:rPr lang="en-US" smtClean="0"/>
+              <a:t>1</a:t>
+            </a:fld>
+            <a:endParaRPr lang="en-US"/>
+          </a:p>
+        </p:txBody>
+      </p:sp>
+    </p:spTree>
+    <p:extLst>
+      <p:ext uri="{BB962C8B-B14F-4D97-AF65-F5344CB8AC3E}">
+        <p14:creationId xmlns:p14="http://schemas.microsoft.com/office/powerpoint/2010/main" val="2079085405"/>
+      </p:ext>
+    </p:extLst>
+  </p:cSld>
+  <p:clrMapOvr>
+    <a:masterClrMapping/>
+  </p:clrMapOvr>
+</p:notes>
+</file>
+
+<file path=ppt/notesSlides/notesSlide2.xml><?xml version="1.0" encoding="utf-8"?>
+<p:notes xmlns:a="http://schemas.openxmlformats.org/drawingml/2006/main" xmlns:r="http://schemas.openxmlformats.org/officeDocument/2006/relationships" xmlns:p="http://schemas.openxmlformats.org/presentationml/2006/main">
+  <p:cSld>
+    <p:spTree>
+      <p:nvGrpSpPr>
+        <p:cNvPr id="1" name=""/>
+        <p:cNvGrpSpPr/>
+        <p:nvPr/>
+      </p:nvGrpSpPr>
+      <p:grpSpPr>
+        <a:xfrm>
+          <a:off x="0" y="0"/>
+          <a:ext cx="0" cy="0"/>
+          <a:chOff x="0" y="0"/>
+          <a:chExt cx="0" cy="0"/>
+        </a:xfrm>
+      </p:grpSpPr>
+      <p:sp>
+        <p:nvSpPr>
           <p:cNvPr id="18434" name="Slide Image Placeholder 1"/>
           <p:cNvSpPr>
             <a:spLocks noGrp="1" noRot="1" noChangeAspect="1" noTextEdit="1"/>
@@ -763,7 +867,7 @@
 </p:notes>
 </file>
 
-<file path=ppt/notesSlides/notesSlide2.xml><?xml version="1.0" encoding="utf-8"?>
+<file path=ppt/notesSlides/notesSlide3.xml><?xml version="1.0" encoding="utf-8"?>
 <p:notes xmlns:a="http://schemas.openxmlformats.org/drawingml/2006/main" xmlns:r="http://schemas.openxmlformats.org/officeDocument/2006/relationships" xmlns:p="http://schemas.openxmlformats.org/presentationml/2006/main">
   <p:cSld>
     <p:spTree>
@@ -808,10 +912,9 @@
           <a:lstStyle/>
           <a:p>
             <a:r>
-              <a:rPr lang="en-US" dirty="0" smtClean="0"/>
+              <a:rPr lang="en-US" dirty="0"/>
               <a:t>https://s-media-cache-ak0.pinimg.com/736x/2e/93/1e/2e931ec9f055c57863c89c7d221dd8ad.jpg</a:t>
             </a:r>
-            <a:endParaRPr lang="en-US" dirty="0"/>
           </a:p>
         </p:txBody>
       </p:sp>
@@ -1031,7 +1134,7 @@
             <a:fld id="{1D8BD707-D9CF-40AE-B4C6-C98DA3205C09}" type="datetimeFigureOut">
               <a:rPr lang="en-US" smtClean="0"/>
               <a:pPr/>
-              <a:t>4/28/2016</a:t>
+              <a:t>4/29/2016</a:t>
             </a:fld>
             <a:endParaRPr lang="en-US"/>
           </a:p>
@@ -1196,7 +1299,7 @@
             <a:fld id="{1D8BD707-D9CF-40AE-B4C6-C98DA3205C09}" type="datetimeFigureOut">
               <a:rPr lang="en-US" smtClean="0"/>
               <a:pPr/>
-              <a:t>4/28/2016</a:t>
+              <a:t>4/29/2016</a:t>
             </a:fld>
             <a:endParaRPr lang="en-US"/>
           </a:p>
@@ -1371,7 +1474,7 @@
             <a:fld id="{1D8BD707-D9CF-40AE-B4C6-C98DA3205C09}" type="datetimeFigureOut">
               <a:rPr lang="en-US" smtClean="0"/>
               <a:pPr/>
-              <a:t>4/28/2016</a:t>
+              <a:t>4/29/2016</a:t>
             </a:fld>
             <a:endParaRPr lang="en-US"/>
           </a:p>
@@ -1536,7 +1639,7 @@
             <a:fld id="{1D8BD707-D9CF-40AE-B4C6-C98DA3205C09}" type="datetimeFigureOut">
               <a:rPr lang="en-US" smtClean="0"/>
               <a:pPr/>
-              <a:t>4/28/2016</a:t>
+              <a:t>4/29/2016</a:t>
             </a:fld>
             <a:endParaRPr lang="en-US"/>
           </a:p>
@@ -1778,7 +1881,7 @@
             <a:fld id="{1D8BD707-D9CF-40AE-B4C6-C98DA3205C09}" type="datetimeFigureOut">
               <a:rPr lang="en-US" smtClean="0"/>
               <a:pPr/>
-              <a:t>4/28/2016</a:t>
+              <a:t>4/29/2016</a:t>
             </a:fld>
             <a:endParaRPr lang="en-US"/>
           </a:p>
@@ -2060,7 +2163,7 @@
             <a:fld id="{1D8BD707-D9CF-40AE-B4C6-C98DA3205C09}" type="datetimeFigureOut">
               <a:rPr lang="en-US" smtClean="0"/>
               <a:pPr/>
-              <a:t>4/28/2016</a:t>
+              <a:t>4/29/2016</a:t>
             </a:fld>
             <a:endParaRPr lang="en-US"/>
           </a:p>
@@ -2476,7 +2579,7 @@
             <a:fld id="{1D8BD707-D9CF-40AE-B4C6-C98DA3205C09}" type="datetimeFigureOut">
               <a:rPr lang="en-US" smtClean="0"/>
               <a:pPr/>
-              <a:t>4/28/2016</a:t>
+              <a:t>4/29/2016</a:t>
             </a:fld>
             <a:endParaRPr lang="en-US"/>
           </a:p>
@@ -2590,7 +2693,7 @@
             <a:fld id="{1D8BD707-D9CF-40AE-B4C6-C98DA3205C09}" type="datetimeFigureOut">
               <a:rPr lang="en-US" smtClean="0"/>
               <a:pPr/>
-              <a:t>4/28/2016</a:t>
+              <a:t>4/29/2016</a:t>
             </a:fld>
             <a:endParaRPr lang="en-US"/>
           </a:p>
@@ -2682,7 +2785,7 @@
             <a:fld id="{1D8BD707-D9CF-40AE-B4C6-C98DA3205C09}" type="datetimeFigureOut">
               <a:rPr lang="en-US" smtClean="0"/>
               <a:pPr/>
-              <a:t>4/28/2016</a:t>
+              <a:t>4/29/2016</a:t>
             </a:fld>
             <a:endParaRPr lang="en-US"/>
           </a:p>
@@ -2954,7 +3057,7 @@
             <a:fld id="{1D8BD707-D9CF-40AE-B4C6-C98DA3205C09}" type="datetimeFigureOut">
               <a:rPr lang="en-US" smtClean="0"/>
               <a:pPr/>
-              <a:t>4/28/2016</a:t>
+              <a:t>4/29/2016</a:t>
             </a:fld>
             <a:endParaRPr lang="en-US"/>
           </a:p>
@@ -3203,7 +3306,7 @@
             <a:fld id="{1D8BD707-D9CF-40AE-B4C6-C98DA3205C09}" type="datetimeFigureOut">
               <a:rPr lang="en-US" smtClean="0"/>
               <a:pPr/>
-              <a:t>4/28/2016</a:t>
+              <a:t>4/29/2016</a:t>
             </a:fld>
             <a:endParaRPr lang="en-US"/>
           </a:p>
@@ -3411,7 +3514,7 @@
             <a:fld id="{1D8BD707-D9CF-40AE-B4C6-C98DA3205C09}" type="datetimeFigureOut">
               <a:rPr lang="en-US" smtClean="0"/>
               <a:pPr/>
-              <a:t>4/28/2016</a:t>
+              <a:t>4/29/2016</a:t>
             </a:fld>
             <a:endParaRPr lang="en-US"/>
           </a:p>
@@ -3847,7 +3950,7 @@
           <p:nvPr/>
         </p:nvPicPr>
         <p:blipFill>
-          <a:blip r:embed="rId2" cstate="print">
+          <a:blip r:embed="rId3" cstate="print">
             <a:extLst>
               <a:ext uri="{28A0092B-C50C-407E-A947-70E740481C1C}">
                 <a14:useLocalDpi xmlns:a14="http://schemas.microsoft.com/office/drawing/2010/main" val="0"/>
@@ -3877,7 +3980,7 @@
           <p:nvPr/>
         </p:nvPicPr>
         <p:blipFill>
-          <a:blip r:embed="rId3">
+          <a:blip r:embed="rId4">
             <a:extLst>
               <a:ext uri="{28A0092B-C50C-407E-A947-70E740481C1C}">
                 <a14:useLocalDpi xmlns:a14="http://schemas.microsoft.com/office/drawing/2010/main" val="0"/>
@@ -4212,10 +4315,9 @@
           <a:lstStyle/>
           <a:p>
             <a:r>
-              <a:rPr lang="en-US" dirty="0" smtClean="0"/>
+              <a:rPr lang="en-US" dirty="0"/>
               <a:t>Isolating Code</a:t>
             </a:r>
-            <a:endParaRPr lang="en-US" dirty="0"/>
           </a:p>
         </p:txBody>
       </p:sp>
@@ -4235,20 +4337,19 @@
           <a:lstStyle/>
           <a:p>
             <a:r>
-              <a:rPr lang="en-US" dirty="0" smtClean="0"/>
+              <a:rPr lang="en-US" dirty="0"/>
               <a:t>We don’t want our tests to depend on more than one module of code.</a:t>
             </a:r>
           </a:p>
           <a:p>
             <a:r>
-              <a:rPr lang="en-US" dirty="0" smtClean="0"/>
+              <a:rPr lang="en-US" dirty="0"/>
               <a:t>Dependencies can cause complexities in debugging and </a:t>
             </a:r>
             <a:r>
-              <a:rPr lang="en-US" smtClean="0"/>
+              <a:rPr lang="en-US"/>
               <a:t>testing.</a:t>
             </a:r>
-            <a:endParaRPr lang="en-US"/>
           </a:p>
         </p:txBody>
       </p:sp>
@@ -4299,19 +4400,19 @@
           <a:p>
             <a:r>
               <a:rPr lang="en-US" dirty="0"/>
-              <a:t>Demo</a:t>
-            </a:r>
-          </a:p>
-        </p:txBody>
-      </p:sp>
-      <p:sp>
-        <p:nvSpPr>
-          <p:cNvPr id="5" name="Text Placeholder 4"/>
-          <p:cNvSpPr>
-            <a:spLocks noGrp="1"/>
-          </p:cNvSpPr>
-          <p:nvPr>
-            <p:ph type="body" idx="1"/>
+              <a:t>Heuristics</a:t>
+            </a:r>
+          </a:p>
+        </p:txBody>
+      </p:sp>
+      <p:sp>
+        <p:nvSpPr>
+          <p:cNvPr id="5" name="Content Placeholder 4"/>
+          <p:cNvSpPr>
+            <a:spLocks noGrp="1"/>
+          </p:cNvSpPr>
+          <p:nvPr>
+            <p:ph idx="1"/>
           </p:nvPr>
         </p:nvSpPr>
         <p:spPr/>
@@ -4321,7 +4422,25 @@
           <a:p>
             <a:r>
               <a:rPr lang="en-US" dirty="0"/>
-              <a:t>Isolating Functions and Procedures</a:t>
+              <a:t>0-1-Some (We’ve seen this in the last demo</a:t>
+            </a:r>
+          </a:p>
+          <a:p>
+            <a:r>
+              <a:rPr lang="en-US" dirty="0"/>
+              <a:t>Boundaries</a:t>
+            </a:r>
+          </a:p>
+          <a:p>
+            <a:r>
+              <a:rPr lang="en-US" dirty="0"/>
+              <a:t>Buckets</a:t>
+            </a:r>
+          </a:p>
+          <a:p>
+            <a:r>
+              <a:rPr lang="en-US" dirty="0"/>
+              <a:t>Various cases</a:t>
             </a:r>
           </a:p>
         </p:txBody>
@@ -4329,7 +4448,7 @@
     </p:spTree>
     <p:extLst>
       <p:ext uri="{BB962C8B-B14F-4D97-AF65-F5344CB8AC3E}">
-        <p14:creationId xmlns:p14="http://schemas.microsoft.com/office/powerpoint/2010/main" val="259900488"/>
+        <p14:creationId xmlns:p14="http://schemas.microsoft.com/office/powerpoint/2010/main" val="510018384"/>
       </p:ext>
     </p:extLst>
   </p:cSld>
@@ -4372,52 +4491,38 @@
           <a:lstStyle/>
           <a:p>
             <a:r>
-              <a:rPr lang="en-US" dirty="0" smtClean="0"/>
+              <a:rPr lang="en-US" dirty="0"/>
+              <a:t>Demo</a:t>
+            </a:r>
+          </a:p>
+        </p:txBody>
+      </p:sp>
+      <p:sp>
+        <p:nvSpPr>
+          <p:cNvPr id="5" name="Text Placeholder 4"/>
+          <p:cNvSpPr>
+            <a:spLocks noGrp="1"/>
+          </p:cNvSpPr>
+          <p:nvPr>
+            <p:ph type="body" idx="1"/>
+          </p:nvPr>
+        </p:nvSpPr>
+        <p:spPr/>
+        <p:txBody>
+          <a:bodyPr/>
+          <a:lstStyle/>
+          <a:p>
+            <a:r>
+              <a:rPr lang="en-US" dirty="0"/>
               <a:t>Heuristics</a:t>
             </a:r>
-            <a:endParaRPr lang="en-US" dirty="0"/>
-          </a:p>
-        </p:txBody>
-      </p:sp>
-      <p:sp>
-        <p:nvSpPr>
-          <p:cNvPr id="5" name="Content Placeholder 4"/>
-          <p:cNvSpPr>
-            <a:spLocks noGrp="1"/>
-          </p:cNvSpPr>
-          <p:nvPr>
-            <p:ph idx="1"/>
-          </p:nvPr>
-        </p:nvSpPr>
-        <p:spPr/>
-        <p:txBody>
-          <a:bodyPr/>
-          <a:lstStyle/>
-          <a:p>
-            <a:r>
-              <a:rPr lang="en-US" dirty="0" smtClean="0"/>
-              <a:t>Boundaries</a:t>
-            </a:r>
-          </a:p>
-          <a:p>
-            <a:r>
-              <a:rPr lang="en-US" dirty="0" smtClean="0"/>
-              <a:t>Buckets</a:t>
-            </a:r>
-          </a:p>
-          <a:p>
-            <a:r>
-              <a:rPr lang="en-US" smtClean="0"/>
-              <a:t>Various cases</a:t>
-            </a:r>
-            <a:endParaRPr lang="en-US"/>
           </a:p>
         </p:txBody>
       </p:sp>
     </p:spTree>
     <p:extLst>
       <p:ext uri="{BB962C8B-B14F-4D97-AF65-F5344CB8AC3E}">
-        <p14:creationId xmlns:p14="http://schemas.microsoft.com/office/powerpoint/2010/main" val="510018384"/>
+        <p14:creationId xmlns:p14="http://schemas.microsoft.com/office/powerpoint/2010/main" val="3312720225"/>
       </p:ext>
     </p:extLst>
   </p:cSld>
@@ -4461,19 +4566,19 @@
           <a:p>
             <a:r>
               <a:rPr lang="en-US" dirty="0"/>
-              <a:t>Demo</a:t>
-            </a:r>
-          </a:p>
-        </p:txBody>
-      </p:sp>
-      <p:sp>
-        <p:nvSpPr>
-          <p:cNvPr id="5" name="Text Placeholder 4"/>
-          <p:cNvSpPr>
-            <a:spLocks noGrp="1"/>
-          </p:cNvSpPr>
-          <p:nvPr>
-            <p:ph type="body" idx="1"/>
+              <a:t>Summary</a:t>
+            </a:r>
+          </a:p>
+        </p:txBody>
+      </p:sp>
+      <p:sp>
+        <p:nvSpPr>
+          <p:cNvPr id="5" name="Content Placeholder 4"/>
+          <p:cNvSpPr>
+            <a:spLocks noGrp="1"/>
+          </p:cNvSpPr>
+          <p:nvPr>
+            <p:ph idx="1"/>
           </p:nvPr>
         </p:nvSpPr>
         <p:spPr/>
@@ -4483,7 +4588,25 @@
           <a:p>
             <a:r>
               <a:rPr lang="en-US" dirty="0"/>
-              <a:t>Heuristics</a:t>
+              <a:t>Write tests to catch potential issues</a:t>
+            </a:r>
+          </a:p>
+          <a:p>
+            <a:r>
+              <a:rPr lang="en-US" dirty="0"/>
+              <a:t>Allow for exceptions to rules</a:t>
+            </a:r>
+          </a:p>
+          <a:p>
+            <a:r>
+              <a:rPr lang="en-US" dirty="0"/>
+              <a:t>Use test failures to learn as a team and discuss issues</a:t>
+            </a:r>
+          </a:p>
+          <a:p>
+            <a:r>
+              <a:rPr lang="en-US" dirty="0"/>
+              <a:t>Write one test each time you change code</a:t>
             </a:r>
           </a:p>
         </p:txBody>
@@ -4491,7 +4614,7 @@
     </p:spTree>
     <p:extLst>
       <p:ext uri="{BB962C8B-B14F-4D97-AF65-F5344CB8AC3E}">
-        <p14:creationId xmlns:p14="http://schemas.microsoft.com/office/powerpoint/2010/main" val="3312720225"/>
+        <p14:creationId xmlns:p14="http://schemas.microsoft.com/office/powerpoint/2010/main" val="1449569431"/>
       </p:ext>
     </p:extLst>
   </p:cSld>
@@ -4520,77 +4643,6 @@
       </p:grpSpPr>
       <p:sp>
         <p:nvSpPr>
-          <p:cNvPr id="4" name="Title 3"/>
-          <p:cNvSpPr>
-            <a:spLocks noGrp="1"/>
-          </p:cNvSpPr>
-          <p:nvPr>
-            <p:ph type="title"/>
-          </p:nvPr>
-        </p:nvSpPr>
-        <p:spPr/>
-        <p:txBody>
-          <a:bodyPr/>
-          <a:lstStyle/>
-          <a:p>
-            <a:r>
-              <a:rPr lang="en-US" dirty="0"/>
-              <a:t>Summary</a:t>
-            </a:r>
-          </a:p>
-        </p:txBody>
-      </p:sp>
-      <p:sp>
-        <p:nvSpPr>
-          <p:cNvPr id="5" name="Content Placeholder 4"/>
-          <p:cNvSpPr>
-            <a:spLocks noGrp="1"/>
-          </p:cNvSpPr>
-          <p:nvPr>
-            <p:ph idx="1"/>
-          </p:nvPr>
-        </p:nvSpPr>
-        <p:spPr/>
-        <p:txBody>
-          <a:bodyPr/>
-          <a:lstStyle/>
-          <a:p>
-            <a:endParaRPr lang="en-US" dirty="0"/>
-          </a:p>
-        </p:txBody>
-      </p:sp>
-    </p:spTree>
-    <p:extLst>
-      <p:ext uri="{BB962C8B-B14F-4D97-AF65-F5344CB8AC3E}">
-        <p14:creationId xmlns:p14="http://schemas.microsoft.com/office/powerpoint/2010/main" val="1449569431"/>
-      </p:ext>
-    </p:extLst>
-  </p:cSld>
-  <p:clrMapOvr>
-    <a:masterClrMapping/>
-  </p:clrMapOvr>
-</p:sld>
-</file>
-
-<file path=ppt/slides/slide19.xml><?xml version="1.0" encoding="utf-8"?>
-<p:sld xmlns:a="http://schemas.openxmlformats.org/drawingml/2006/main" xmlns:r="http://schemas.openxmlformats.org/officeDocument/2006/relationships" xmlns:p="http://schemas.openxmlformats.org/presentationml/2006/main">
-  <p:cSld>
-    <p:spTree>
-      <p:nvGrpSpPr>
-        <p:cNvPr id="1" name=""/>
-        <p:cNvGrpSpPr/>
-        <p:nvPr/>
-      </p:nvGrpSpPr>
-      <p:grpSpPr>
-        <a:xfrm>
-          <a:off x="0" y="0"/>
-          <a:ext cx="0" cy="0"/>
-          <a:chOff x="0" y="0"/>
-          <a:chExt cx="0" cy="0"/>
-        </a:xfrm>
-      </p:grpSpPr>
-      <p:sp>
-        <p:nvSpPr>
           <p:cNvPr id="2" name="Title 1"/>
           <p:cNvSpPr>
             <a:spLocks noGrp="1"/>
@@ -4639,12 +4691,21 @@
           </a:p>
           <a:p>
             <a:r>
+              <a:rPr lang="en-US" dirty="0">
+                <a:hlinkClick r:id="rId2"/>
+              </a:rPr>
+              <a:t>Tsqlt.org</a:t>
+            </a:r>
+            <a:endParaRPr lang="en-US" dirty="0"/>
+          </a:p>
+          <a:p>
+            <a:r>
               <a:rPr lang="en-US" dirty="0"/>
               <a:t>Ask at </a:t>
             </a:r>
             <a:r>
               <a:rPr lang="en-US" dirty="0">
-                <a:hlinkClick r:id="rId2"/>
+                <a:hlinkClick r:id="rId3"/>
               </a:rPr>
               <a:t>www.sqlservercentral.com/forums</a:t>
             </a:r>
@@ -4663,7 +4724,7 @@
         </p:nvGrpSpPr>
         <p:grpSpPr>
           <a:xfrm>
-            <a:off x="2084784" y="3644505"/>
+            <a:off x="2084784" y="4226383"/>
             <a:ext cx="4974432" cy="1945817"/>
             <a:chOff x="2689225" y="3398838"/>
             <a:chExt cx="6632576" cy="2594422"/>
@@ -4817,7 +4878,7 @@
             <p:nvPr/>
           </p:nvPicPr>
           <p:blipFill>
-            <a:blip r:embed="rId3">
+            <a:blip r:embed="rId4">
               <a:extLst>
                 <a:ext uri="{28A0092B-C50C-407E-A947-70E740481C1C}">
                   <a14:useLocalDpi xmlns:a14="http://schemas.microsoft.com/office/drawing/2010/main" val="0"/>
@@ -4871,7 +4932,7 @@
             <p:nvPr/>
           </p:nvPicPr>
           <p:blipFill>
-            <a:blip r:embed="rId4">
+            <a:blip r:embed="rId5">
               <a:extLst>
                 <a:ext uri="{28A0092B-C50C-407E-A947-70E740481C1C}">
                   <a14:useLocalDpi xmlns:a14="http://schemas.microsoft.com/office/drawing/2010/main" val="0"/>
@@ -4925,7 +4986,7 @@
             <p:nvPr/>
           </p:nvPicPr>
           <p:blipFill>
-            <a:blip r:embed="rId5">
+            <a:blip r:embed="rId6">
               <a:extLst>
                 <a:ext uri="{28A0092B-C50C-407E-A947-70E740481C1C}">
                   <a14:useLocalDpi xmlns:a14="http://schemas.microsoft.com/office/drawing/2010/main" val="0"/>
@@ -4979,7 +5040,7 @@
             <p:nvPr/>
           </p:nvPicPr>
           <p:blipFill>
-            <a:blip r:embed="rId6" cstate="print">
+            <a:blip r:embed="rId7" cstate="print">
               <a:extLst>
                 <a:ext uri="{28A0092B-C50C-407E-A947-70E740481C1C}">
                   <a14:useLocalDpi xmlns:a14="http://schemas.microsoft.com/office/drawing/2010/main" val="0"/>
@@ -5077,7 +5138,7 @@
             <p:nvPr/>
           </p:nvPicPr>
           <p:blipFill>
-            <a:blip r:embed="rId7">
+            <a:blip r:embed="rId8">
               <a:extLst>
                 <a:ext uri="{28A0092B-C50C-407E-A947-70E740481C1C}">
                   <a14:useLocalDpi xmlns:a14="http://schemas.microsoft.com/office/drawing/2010/main" val="0"/>
@@ -5249,77 +5310,6 @@
     <p:extLst>
       <p:ext uri="{BB962C8B-B14F-4D97-AF65-F5344CB8AC3E}">
         <p14:creationId xmlns:p14="http://schemas.microsoft.com/office/powerpoint/2010/main" val="2639831237"/>
-      </p:ext>
-    </p:extLst>
-  </p:cSld>
-  <p:clrMapOvr>
-    <a:masterClrMapping/>
-  </p:clrMapOvr>
-</p:sld>
-</file>
-
-<file path=ppt/slides/slide20.xml><?xml version="1.0" encoding="utf-8"?>
-<p:sld xmlns:a="http://schemas.openxmlformats.org/drawingml/2006/main" xmlns:r="http://schemas.openxmlformats.org/officeDocument/2006/relationships" xmlns:p="http://schemas.openxmlformats.org/presentationml/2006/main">
-  <p:cSld>
-    <p:spTree>
-      <p:nvGrpSpPr>
-        <p:cNvPr id="1" name=""/>
-        <p:cNvGrpSpPr/>
-        <p:nvPr/>
-      </p:nvGrpSpPr>
-      <p:grpSpPr>
-        <a:xfrm>
-          <a:off x="0" y="0"/>
-          <a:ext cx="0" cy="0"/>
-          <a:chOff x="0" y="0"/>
-          <a:chExt cx="0" cy="0"/>
-        </a:xfrm>
-      </p:grpSpPr>
-      <p:sp>
-        <p:nvSpPr>
-          <p:cNvPr id="2" name="Title 1"/>
-          <p:cNvSpPr>
-            <a:spLocks noGrp="1"/>
-          </p:cNvSpPr>
-          <p:nvPr>
-            <p:ph type="title"/>
-          </p:nvPr>
-        </p:nvSpPr>
-        <p:spPr/>
-        <p:txBody>
-          <a:bodyPr/>
-          <a:lstStyle/>
-          <a:p>
-            <a:r>
-              <a:rPr lang="en-US" dirty="0"/>
-              <a:t>References</a:t>
-            </a:r>
-          </a:p>
-        </p:txBody>
-      </p:sp>
-      <p:sp>
-        <p:nvSpPr>
-          <p:cNvPr id="3" name="Content Placeholder 2"/>
-          <p:cNvSpPr>
-            <a:spLocks noGrp="1"/>
-          </p:cNvSpPr>
-          <p:nvPr>
-            <p:ph idx="1"/>
-          </p:nvPr>
-        </p:nvSpPr>
-        <p:spPr/>
-        <p:txBody>
-          <a:bodyPr/>
-          <a:lstStyle/>
-          <a:p>
-            <a:endParaRPr lang="en-US"/>
-          </a:p>
-        </p:txBody>
-      </p:sp>
-    </p:spTree>
-    <p:extLst>
-      <p:ext uri="{BB962C8B-B14F-4D97-AF65-F5344CB8AC3E}">
-        <p14:creationId xmlns:p14="http://schemas.microsoft.com/office/powerpoint/2010/main" val="2092509307"/>
       </p:ext>
     </p:extLst>
   </p:cSld>
@@ -6642,10 +6632,9 @@
           <a:lstStyle/>
           <a:p>
             <a:r>
-              <a:rPr lang="en-US" dirty="0" smtClean="0"/>
+              <a:rPr lang="en-US" dirty="0"/>
               <a:t>Large Table Changes</a:t>
             </a:r>
-            <a:endParaRPr lang="en-US" dirty="0"/>
           </a:p>
         </p:txBody>
       </p:sp>
@@ -6665,22 +6654,21 @@
           <a:lstStyle/>
           <a:p>
             <a:r>
-              <a:rPr lang="en-US" dirty="0" smtClean="0"/>
+              <a:rPr lang="en-US" dirty="0"/>
               <a:t>There’s no magic in SQL Server</a:t>
             </a:r>
           </a:p>
           <a:p>
             <a:r>
-              <a:rPr lang="en-US" dirty="0" smtClean="0"/>
+              <a:rPr lang="en-US" dirty="0"/>
               <a:t>However, there are methods to limit the impact of changes to large tables</a:t>
             </a:r>
           </a:p>
           <a:p>
             <a:r>
-              <a:rPr lang="en-US" dirty="0" smtClean="0"/>
+              <a:rPr lang="en-US" dirty="0"/>
               <a:t>Testing is a way to facilitate a discussion</a:t>
             </a:r>
-            <a:endParaRPr lang="en-US" dirty="0"/>
           </a:p>
         </p:txBody>
       </p:sp>
